--- a/docs/presentation.pptx
+++ b/docs/presentation.pptx
@@ -5,20 +5,34 @@
     <p:sldMasterId id="2147483648" r:id="rId1"/>
   </p:sldMasterIdLst>
   <p:notesMasterIdLst>
-    <p:notesMasterId r:id="rId3"/>
+    <p:notesMasterId r:id="rId10"/>
   </p:notesMasterIdLst>
   <p:sldIdLst>
-    <p:sldId id="257" r:id="rId2"/>
+    <p:sldId id="264" r:id="rId2"/>
+    <p:sldId id="261" r:id="rId3"/>
+    <p:sldId id="257" r:id="rId4"/>
+    <p:sldId id="262" r:id="rId5"/>
+    <p:sldId id="258" r:id="rId6"/>
+    <p:sldId id="265" r:id="rId7"/>
+    <p:sldId id="259" r:id="rId8"/>
+    <p:sldId id="263" r:id="rId9"/>
   </p:sldIdLst>
   <p:sldSz cx="10680700" cy="3949700"/>
   <p:notesSz cx="10680700" cy="3949700"/>
   <p:embeddedFontLst>
     <p:embeddedFont>
       <p:font typeface="Palatino Linotype" panose="02040502050505030304" pitchFamily="18" charset="0"/>
-      <p:regular r:id="rId4"/>
-      <p:bold r:id="rId5"/>
-      <p:italic r:id="rId6"/>
-      <p:boldItalic r:id="rId7"/>
+      <p:regular r:id="rId11"/>
+      <p:bold r:id="rId12"/>
+      <p:italic r:id="rId13"/>
+      <p:boldItalic r:id="rId14"/>
+    </p:embeddedFont>
+    <p:embeddedFont>
+      <p:font typeface="Calibri" panose="020F0502020204030204" pitchFamily="34" charset="0"/>
+      <p:regular r:id="rId15"/>
+      <p:bold r:id="rId16"/>
+      <p:italic r:id="rId17"/>
+      <p:boldItalic r:id="rId18"/>
     </p:embeddedFont>
   </p:embeddedFontLst>
   <p:defaultTextStyle>
@@ -266,7 +280,7 @@
       </p15:sldGuideLst>
     </p:ext>
     <p:ext uri="http://customooxmlschemas.google.com/">
-      <go:slidesCustomData xmlns:go="http://customooxmlschemas.google.com/" xmlns:ahyp="http://schemas.microsoft.com/office/drawing/2018/hyperlinkcolor" xmlns:p15="http://schemas.microsoft.com/office/powerpoint/2012/main" xmlns:p14="http://schemas.microsoft.com/office/powerpoint/2010/main" xmlns:com="http://schemas.openxmlformats.org/drawingml/2006/compatibility" xmlns:pvml="urn:schemas-microsoft-com:office:powerpoint" xmlns:v="urn:schemas-microsoft-com:vml" xmlns:o="urn:schemas-microsoft-com:office:office" xmlns:dgm="http://schemas.openxmlformats.org/drawingml/2006/diagram" xmlns:c="http://schemas.openxmlformats.org/drawingml/2006/chart" xmlns:mv="urn:schemas-microsoft-com:mac:vml" xmlns:mc="http://schemas.openxmlformats.org/markup-compatibility/2006" xmlns="" r:id="rId15" roundtripDataSignature="AMtx7mj9VwWclrxHKRAMm9aEL0j17A4yeg=="/>
+      <go:slidesCustomData xmlns:go="http://customooxmlschemas.google.com/" xmlns:ahyp="http://schemas.microsoft.com/office/drawing/2018/hyperlinkcolor" xmlns:p15="http://schemas.microsoft.com/office/powerpoint/2012/main" xmlns:p14="http://schemas.microsoft.com/office/powerpoint/2010/main" xmlns:com="http://schemas.openxmlformats.org/drawingml/2006/compatibility" xmlns:pvml="urn:schemas-microsoft-com:office:powerpoint" xmlns:v="urn:schemas-microsoft-com:vml" xmlns:o="urn:schemas-microsoft-com:office:office" xmlns:dgm="http://schemas.openxmlformats.org/drawingml/2006/diagram" xmlns:c="http://schemas.openxmlformats.org/drawingml/2006/chart" xmlns:mv="urn:schemas-microsoft-com:mac:vml" xmlns:mc="http://schemas.openxmlformats.org/markup-compatibility/2006" xmlns="" r:id="rId19" roundtripDataSignature="AMtx7mj9VwWclrxHKRAMm9aEL0j17A4yeg=="/>
     </p:ext>
   </p:extLst>
 </p:presentation>
@@ -6026,6 +6040,329 @@
   <p:cSld>
     <p:spTree>
       <p:nvGrpSpPr>
+        <p:cNvPr id="1" name=""/>
+        <p:cNvGrpSpPr/>
+        <p:nvPr/>
+      </p:nvGrpSpPr>
+      <p:grpSpPr>
+        <a:xfrm>
+          <a:off x="0" y="0"/>
+          <a:ext cx="0" cy="0"/>
+          <a:chOff x="0" y="0"/>
+          <a:chExt cx="0" cy="0"/>
+        </a:xfrm>
+      </p:grpSpPr>
+      <p:sp>
+        <p:nvSpPr>
+          <p:cNvPr id="2" name="Τίτλος 1"/>
+          <p:cNvSpPr>
+            <a:spLocks noGrp="1"/>
+          </p:cNvSpPr>
+          <p:nvPr>
+            <p:ph type="ctrTitle"/>
+          </p:nvPr>
+        </p:nvSpPr>
+        <p:spPr/>
+        <p:txBody>
+          <a:bodyPr>
+            <a:normAutofit/>
+          </a:bodyPr>
+          <a:lstStyle/>
+          <a:p>
+            <a:r>
+              <a:rPr lang="en-US" sz="3200" dirty="0" err="1" smtClean="0">
+                <a:latin typeface="Palatino Linotype" panose="02040502050505030304" pitchFamily="18" charset="0"/>
+              </a:rPr>
+              <a:t>Satalia</a:t>
+            </a:r>
+            <a:r>
+              <a:rPr lang="en-US" sz="3200" dirty="0" smtClean="0">
+                <a:latin typeface="Palatino Linotype" panose="02040502050505030304" pitchFamily="18" charset="0"/>
+              </a:rPr>
+              <a:t> Data Engineering Challenge</a:t>
+            </a:r>
+            <a:endParaRPr lang="en-US" sz="3200" dirty="0">
+              <a:latin typeface="Palatino Linotype" panose="02040502050505030304" pitchFamily="18" charset="0"/>
+            </a:endParaRPr>
+          </a:p>
+        </p:txBody>
+      </p:sp>
+    </p:spTree>
+    <p:extLst>
+      <p:ext uri="{BB962C8B-B14F-4D97-AF65-F5344CB8AC3E}">
+        <p14:creationId xmlns:p14="http://schemas.microsoft.com/office/powerpoint/2010/main" val="2979875747"/>
+      </p:ext>
+    </p:extLst>
+  </p:cSld>
+  <p:clrMapOvr>
+    <a:masterClrMapping/>
+  </p:clrMapOvr>
+  <p:timing>
+    <p:tnLst>
+      <p:par>
+        <p:cTn id="1" dur="indefinite" restart="never" nodeType="tmRoot"/>
+      </p:par>
+    </p:tnLst>
+  </p:timing>
+</p:sld>
+</file>
+
+<file path=ppt/slides/slide2.xml><?xml version="1.0" encoding="utf-8"?>
+<p:sld xmlns:a="http://schemas.openxmlformats.org/drawingml/2006/main" xmlns:r="http://schemas.openxmlformats.org/officeDocument/2006/relationships" xmlns:p="http://schemas.openxmlformats.org/presentationml/2006/main">
+  <p:cSld>
+    <p:spTree>
+      <p:nvGrpSpPr>
+        <p:cNvPr id="1" name=""/>
+        <p:cNvGrpSpPr/>
+        <p:nvPr/>
+      </p:nvGrpSpPr>
+      <p:grpSpPr>
+        <a:xfrm>
+          <a:off x="0" y="0"/>
+          <a:ext cx="0" cy="0"/>
+          <a:chOff x="0" y="0"/>
+          <a:chExt cx="0" cy="0"/>
+        </a:xfrm>
+      </p:grpSpPr>
+      <p:sp>
+        <p:nvSpPr>
+          <p:cNvPr id="2" name="Τίτλος 1"/>
+          <p:cNvSpPr>
+            <a:spLocks noGrp="1"/>
+          </p:cNvSpPr>
+          <p:nvPr>
+            <p:ph type="title"/>
+          </p:nvPr>
+        </p:nvSpPr>
+        <p:spPr/>
+        <p:txBody>
+          <a:bodyPr>
+            <a:normAutofit fontScale="90000"/>
+          </a:bodyPr>
+          <a:lstStyle/>
+          <a:p>
+            <a:r>
+              <a:rPr lang="en-US" dirty="0" smtClean="0">
+                <a:latin typeface="Palatino Linotype" panose="02040502050505030304" pitchFamily="18" charset="0"/>
+              </a:rPr>
+              <a:t>Introduction</a:t>
+            </a:r>
+            <a:endParaRPr lang="en-US" dirty="0">
+              <a:latin typeface="Palatino Linotype" panose="02040502050505030304" pitchFamily="18" charset="0"/>
+            </a:endParaRPr>
+          </a:p>
+        </p:txBody>
+      </p:sp>
+      <p:sp>
+        <p:nvSpPr>
+          <p:cNvPr id="3" name="Θέση κειμένου 2"/>
+          <p:cNvSpPr>
+            <a:spLocks noGrp="1"/>
+          </p:cNvSpPr>
+          <p:nvPr>
+            <p:ph type="body" idx="1"/>
+          </p:nvPr>
+        </p:nvSpPr>
+        <p:spPr>
+          <a:xfrm>
+            <a:off x="364083" y="884987"/>
+            <a:ext cx="9952500" cy="2868866"/>
+          </a:xfrm>
+        </p:spPr>
+        <p:txBody>
+          <a:bodyPr>
+            <a:normAutofit lnSpcReduction="10000"/>
+          </a:bodyPr>
+          <a:lstStyle/>
+          <a:p>
+            <a:pPr>
+              <a:lnSpc>
+                <a:spcPct val="150000"/>
+              </a:lnSpc>
+            </a:pPr>
+            <a:r>
+              <a:rPr lang="en-US" b="1" dirty="0" smtClean="0">
+                <a:solidFill>
+                  <a:schemeClr val="tx1"/>
+                </a:solidFill>
+                <a:latin typeface="Palatino Linotype" panose="02040502050505030304" pitchFamily="18" charset="0"/>
+              </a:rPr>
+              <a:t>Objective: </a:t>
+            </a:r>
+            <a:r>
+              <a:rPr lang="en-US" dirty="0" smtClean="0">
+                <a:solidFill>
+                  <a:schemeClr val="tx1"/>
+                </a:solidFill>
+                <a:latin typeface="Palatino Linotype" panose="02040502050505030304" pitchFamily="18" charset="0"/>
+              </a:rPr>
+              <a:t>Cloud-based Data Infrastructure, utilized by team of SQL Analysts</a:t>
+            </a:r>
+          </a:p>
+          <a:p>
+            <a:pPr>
+              <a:lnSpc>
+                <a:spcPct val="150000"/>
+              </a:lnSpc>
+            </a:pPr>
+            <a:r>
+              <a:rPr lang="en-US" b="1" dirty="0" smtClean="0">
+                <a:solidFill>
+                  <a:schemeClr val="tx1"/>
+                </a:solidFill>
+                <a:latin typeface="Palatino Linotype" panose="02040502050505030304" pitchFamily="18" charset="0"/>
+              </a:rPr>
+              <a:t>Initial Thought: </a:t>
+            </a:r>
+            <a:r>
+              <a:rPr lang="en-US" dirty="0" smtClean="0">
+                <a:solidFill>
+                  <a:schemeClr val="tx1"/>
+                </a:solidFill>
+                <a:latin typeface="Palatino Linotype" panose="02040502050505030304" pitchFamily="18" charset="0"/>
+              </a:rPr>
+              <a:t>Design a solution using multiple AWS Services</a:t>
+            </a:r>
+          </a:p>
+          <a:p>
+            <a:pPr lvl="1"/>
+            <a:r>
+              <a:rPr lang="en-US" dirty="0" smtClean="0">
+                <a:solidFill>
+                  <a:schemeClr val="tx1"/>
+                </a:solidFill>
+                <a:latin typeface="Palatino Linotype" panose="02040502050505030304" pitchFamily="18" charset="0"/>
+              </a:rPr>
+              <a:t>Use a tech stac</a:t>
+            </a:r>
+            <a:r>
+              <a:rPr lang="en-US" dirty="0" smtClean="0">
+                <a:solidFill>
+                  <a:schemeClr val="tx1"/>
+                </a:solidFill>
+                <a:latin typeface="Palatino Linotype" panose="02040502050505030304" pitchFamily="18" charset="0"/>
+              </a:rPr>
+              <a:t>k AWS Lambda, Kinesis or EMR and RDS along with Terraform for provisioning</a:t>
+            </a:r>
+          </a:p>
+          <a:p>
+            <a:pPr lvl="1"/>
+            <a:r>
+              <a:rPr lang="en-US" dirty="0" smtClean="0">
+                <a:solidFill>
+                  <a:srgbClr val="FF0000"/>
+                </a:solidFill>
+                <a:latin typeface="Palatino Linotype" panose="02040502050505030304" pitchFamily="18" charset="0"/>
+              </a:rPr>
+              <a:t>Not too familiar with some of the technologies, not enough time to experiment</a:t>
+            </a:r>
+          </a:p>
+          <a:p>
+            <a:pPr lvl="1"/>
+            <a:r>
+              <a:rPr lang="en-US" dirty="0" smtClean="0">
+                <a:solidFill>
+                  <a:srgbClr val="FF0000"/>
+                </a:solidFill>
+                <a:latin typeface="Palatino Linotype" panose="02040502050505030304" pitchFamily="18" charset="0"/>
+              </a:rPr>
+              <a:t>Limited by the free-tier options</a:t>
+            </a:r>
+          </a:p>
+          <a:p>
+            <a:pPr>
+              <a:lnSpc>
+                <a:spcPct val="150000"/>
+              </a:lnSpc>
+            </a:pPr>
+            <a:r>
+              <a:rPr lang="en-US" b="1" dirty="0" smtClean="0">
+                <a:solidFill>
+                  <a:schemeClr val="tx1"/>
+                </a:solidFill>
+                <a:latin typeface="Palatino Linotype" panose="02040502050505030304" pitchFamily="18" charset="0"/>
+              </a:rPr>
+              <a:t>Final Design:</a:t>
+            </a:r>
+            <a:r>
+              <a:rPr lang="en-US" dirty="0" smtClean="0">
+                <a:solidFill>
+                  <a:schemeClr val="tx1"/>
+                </a:solidFill>
+                <a:latin typeface="Palatino Linotype" panose="02040502050505030304" pitchFamily="18" charset="0"/>
+              </a:rPr>
+              <a:t> Designed a fully custom infrastructure</a:t>
+            </a:r>
+          </a:p>
+          <a:p>
+            <a:pPr lvl="1"/>
+            <a:r>
+              <a:rPr lang="en-US" dirty="0" smtClean="0">
+                <a:solidFill>
+                  <a:schemeClr val="tx1"/>
+                </a:solidFill>
+                <a:latin typeface="Palatino Linotype" panose="02040502050505030304" pitchFamily="18" charset="0"/>
+              </a:rPr>
+              <a:t>Designed a custom infrastructure easily deployable on VMs</a:t>
+            </a:r>
+            <a:endParaRPr lang="en-US" dirty="0">
+              <a:solidFill>
+                <a:schemeClr val="tx1"/>
+              </a:solidFill>
+              <a:latin typeface="Palatino Linotype" panose="02040502050505030304" pitchFamily="18" charset="0"/>
+            </a:endParaRPr>
+          </a:p>
+          <a:p>
+            <a:pPr lvl="1"/>
+            <a:r>
+              <a:rPr lang="en-US" dirty="0" smtClean="0">
+                <a:solidFill>
+                  <a:schemeClr val="tx1"/>
+                </a:solidFill>
+                <a:latin typeface="Palatino Linotype" panose="02040502050505030304" pitchFamily="18" charset="0"/>
+              </a:rPr>
+              <a:t>Interact only with S3 (raw data storage) and EC2 (VM to deploy infrastructure)</a:t>
+            </a:r>
+          </a:p>
+          <a:p>
+            <a:pPr lvl="1"/>
+            <a:r>
+              <a:rPr lang="en-US" dirty="0" smtClean="0">
+                <a:solidFill>
+                  <a:srgbClr val="FF0000"/>
+                </a:solidFill>
+                <a:latin typeface="Palatino Linotype" panose="02040502050505030304" pitchFamily="18" charset="0"/>
+              </a:rPr>
+              <a:t>Still limited by free tier. Instance t3.micro offers 1GB</a:t>
+            </a:r>
+          </a:p>
+        </p:txBody>
+      </p:sp>
+    </p:spTree>
+    <p:extLst>
+      <p:ext uri="{BB962C8B-B14F-4D97-AF65-F5344CB8AC3E}">
+        <p14:creationId xmlns:p14="http://schemas.microsoft.com/office/powerpoint/2010/main" val="3959650312"/>
+      </p:ext>
+    </p:extLst>
+  </p:cSld>
+  <p:clrMapOvr>
+    <a:masterClrMapping/>
+  </p:clrMapOvr>
+  <p:timing>
+    <p:tnLst>
+      <p:par>
+        <p:cTn id="1" dur="indefinite" restart="never" nodeType="tmRoot"/>
+      </p:par>
+    </p:tnLst>
+  </p:timing>
+</p:sld>
+</file>
+
+<file path=ppt/slides/slide3.xml><?xml version="1.0" encoding="utf-8"?>
+<p:sld xmlns:a="http://schemas.openxmlformats.org/drawingml/2006/main" xmlns:r="http://schemas.openxmlformats.org/officeDocument/2006/relationships" xmlns:p="http://schemas.openxmlformats.org/presentationml/2006/main">
+  <p:cSld>
+    <p:spTree>
+      <p:nvGrpSpPr>
         <p:cNvPr id="1" name="Shape 57"/>
         <p:cNvGrpSpPr/>
         <p:nvPr/>
@@ -6864,6 +7201,4121 @@
   <p:clrMapOvr>
     <a:masterClrMapping/>
   </p:clrMapOvr>
+  <p:timing>
+    <p:tnLst>
+      <p:par>
+        <p:cTn id="1" dur="indefinite" restart="never" nodeType="tmRoot"/>
+      </p:par>
+    </p:tnLst>
+  </p:timing>
+</p:sld>
+</file>
+
+<file path=ppt/slides/slide4.xml><?xml version="1.0" encoding="utf-8"?>
+<p:sld xmlns:a="http://schemas.openxmlformats.org/drawingml/2006/main" xmlns:r="http://schemas.openxmlformats.org/officeDocument/2006/relationships" xmlns:p="http://schemas.openxmlformats.org/presentationml/2006/main">
+  <p:cSld>
+    <p:spTree>
+      <p:nvGrpSpPr>
+        <p:cNvPr id="1" name=""/>
+        <p:cNvGrpSpPr/>
+        <p:nvPr/>
+      </p:nvGrpSpPr>
+      <p:grpSpPr>
+        <a:xfrm>
+          <a:off x="0" y="0"/>
+          <a:ext cx="0" cy="0"/>
+          <a:chOff x="0" y="0"/>
+          <a:chExt cx="0" cy="0"/>
+        </a:xfrm>
+      </p:grpSpPr>
+      <p:sp>
+        <p:nvSpPr>
+          <p:cNvPr id="2" name="Τίτλος 1"/>
+          <p:cNvSpPr>
+            <a:spLocks noGrp="1"/>
+          </p:cNvSpPr>
+          <p:nvPr>
+            <p:ph type="title"/>
+          </p:nvPr>
+        </p:nvSpPr>
+        <p:spPr/>
+        <p:txBody>
+          <a:bodyPr>
+            <a:normAutofit fontScale="90000"/>
+          </a:bodyPr>
+          <a:lstStyle/>
+          <a:p>
+            <a:r>
+              <a:rPr lang="en-US" dirty="0" smtClean="0">
+                <a:latin typeface="Palatino Linotype" panose="02040502050505030304" pitchFamily="18" charset="0"/>
+              </a:rPr>
+              <a:t>Data </a:t>
+            </a:r>
+            <a:r>
+              <a:rPr lang="en-US" dirty="0" smtClean="0">
+                <a:latin typeface="Palatino Linotype" panose="02040502050505030304" pitchFamily="18" charset="0"/>
+              </a:rPr>
+              <a:t>Processing Applications</a:t>
+            </a:r>
+            <a:endParaRPr lang="en-US" dirty="0">
+              <a:latin typeface="Palatino Linotype" panose="02040502050505030304" pitchFamily="18" charset="0"/>
+            </a:endParaRPr>
+          </a:p>
+        </p:txBody>
+      </p:sp>
+      <p:sp>
+        <p:nvSpPr>
+          <p:cNvPr id="4" name="Google Shape;158;g2222f62c6e8_0_5"/>
+          <p:cNvSpPr/>
+          <p:nvPr/>
+        </p:nvSpPr>
+        <p:spPr>
+          <a:xfrm>
+            <a:off x="1755280" y="931215"/>
+            <a:ext cx="4734898" cy="1378299"/>
+          </a:xfrm>
+          <a:prstGeom prst="roundRect">
+            <a:avLst>
+              <a:gd name="adj" fmla="val 16667"/>
+            </a:avLst>
+          </a:prstGeom>
+          <a:noFill/>
+          <a:ln w="9525" cap="flat" cmpd="sng">
+            <a:solidFill>
+              <a:schemeClr val="dk1"/>
+            </a:solidFill>
+            <a:prstDash val="lgDashDotDot"/>
+            <a:round/>
+            <a:headEnd type="none" w="sm" len="sm"/>
+            <a:tailEnd type="none" w="sm" len="sm"/>
+          </a:ln>
+        </p:spPr>
+        <p:txBody>
+          <a:bodyPr spcFirstLastPara="1" wrap="square" lIns="91425" tIns="91425" rIns="91425" bIns="91425" anchor="ctr" anchorCtr="0">
+            <a:noAutofit/>
+          </a:bodyPr>
+          <a:lstStyle/>
+          <a:p>
+            <a:pPr marL="0" lvl="0" indent="0" algn="l" rtl="0">
+              <a:spcBef>
+                <a:spcPts val="0"/>
+              </a:spcBef>
+              <a:spcAft>
+                <a:spcPts val="0"/>
+              </a:spcAft>
+              <a:buNone/>
+            </a:pPr>
+            <a:endParaRPr/>
+          </a:p>
+        </p:txBody>
+      </p:sp>
+      <p:sp>
+        <p:nvSpPr>
+          <p:cNvPr id="5" name="Google Shape;161;g2222f62c6e8_0_5"/>
+          <p:cNvSpPr/>
+          <p:nvPr/>
+        </p:nvSpPr>
+        <p:spPr>
+          <a:xfrm>
+            <a:off x="3800452" y="1263363"/>
+            <a:ext cx="858600" cy="819000"/>
+          </a:xfrm>
+          <a:prstGeom prst="ellipse">
+            <a:avLst/>
+          </a:prstGeom>
+          <a:noFill/>
+          <a:ln w="12700" cap="flat" cmpd="sng">
+            <a:solidFill>
+              <a:schemeClr val="dk1"/>
+            </a:solidFill>
+            <a:prstDash val="solid"/>
+            <a:miter lim="800000"/>
+            <a:headEnd type="none" w="sm" len="sm"/>
+            <a:tailEnd type="none" w="sm" len="sm"/>
+          </a:ln>
+        </p:spPr>
+        <p:txBody>
+          <a:bodyPr spcFirstLastPara="1" wrap="square" lIns="91425" tIns="45700" rIns="91425" bIns="45700" anchor="ctr" anchorCtr="0">
+            <a:noAutofit/>
+          </a:bodyPr>
+          <a:lstStyle/>
+          <a:p>
+            <a:pPr marL="0" marR="0" lvl="0" indent="0" algn="ctr" rtl="0">
+              <a:spcBef>
+                <a:spcPts val="0"/>
+              </a:spcBef>
+              <a:spcAft>
+                <a:spcPts val="0"/>
+              </a:spcAft>
+              <a:buNone/>
+            </a:pPr>
+            <a:r>
+              <a:rPr lang="en-US" sz="1800" b="0" i="0" u="none" strike="noStrike" cap="none">
+                <a:solidFill>
+                  <a:schemeClr val="lt1"/>
+                </a:solidFill>
+                <a:latin typeface="Calibri"/>
+                <a:ea typeface="Calibri"/>
+                <a:cs typeface="Calibri"/>
+                <a:sym typeface="Calibri"/>
+              </a:rPr>
+              <a:t>c</a:t>
+            </a:r>
+            <a:endParaRPr/>
+          </a:p>
+        </p:txBody>
+      </p:sp>
+      <p:cxnSp>
+        <p:nvCxnSpPr>
+          <p:cNvPr id="41" name="Google Shape;206;g2222f62c6e8_0_5"/>
+          <p:cNvCxnSpPr>
+            <a:stCxn id="49" idx="6"/>
+          </p:cNvCxnSpPr>
+          <p:nvPr/>
+        </p:nvCxnSpPr>
+        <p:spPr>
+          <a:xfrm>
+            <a:off x="3083515" y="1687718"/>
+            <a:ext cx="699449" cy="0"/>
+          </a:xfrm>
+          <a:prstGeom prst="straightConnector1">
+            <a:avLst/>
+          </a:prstGeom>
+          <a:noFill/>
+          <a:ln w="9525" cap="flat" cmpd="sng">
+            <a:solidFill>
+              <a:schemeClr val="dk1"/>
+            </a:solidFill>
+            <a:prstDash val="solid"/>
+            <a:miter lim="800000"/>
+            <a:headEnd type="none" w="sm" len="sm"/>
+            <a:tailEnd type="triangle" w="med" len="med"/>
+          </a:ln>
+        </p:spPr>
+      </p:cxnSp>
+      <p:sp>
+        <p:nvSpPr>
+          <p:cNvPr id="49" name="Google Shape;219;g2222f62c6e8_0_5"/>
+          <p:cNvSpPr/>
+          <p:nvPr/>
+        </p:nvSpPr>
+        <p:spPr>
+          <a:xfrm>
+            <a:off x="2224915" y="1278218"/>
+            <a:ext cx="858600" cy="819000"/>
+          </a:xfrm>
+          <a:prstGeom prst="ellipse">
+            <a:avLst/>
+          </a:prstGeom>
+          <a:noFill/>
+          <a:ln w="12700" cap="flat" cmpd="sng">
+            <a:solidFill>
+              <a:schemeClr val="dk1"/>
+            </a:solidFill>
+            <a:prstDash val="solid"/>
+            <a:miter lim="800000"/>
+            <a:headEnd type="none" w="sm" len="sm"/>
+            <a:tailEnd type="none" w="sm" len="sm"/>
+          </a:ln>
+        </p:spPr>
+        <p:txBody>
+          <a:bodyPr spcFirstLastPara="1" wrap="square" lIns="91425" tIns="45700" rIns="91425" bIns="45700" anchor="ctr" anchorCtr="0">
+            <a:noAutofit/>
+          </a:bodyPr>
+          <a:lstStyle/>
+          <a:p>
+            <a:pPr marL="0" marR="0" lvl="0" indent="0" algn="ctr" rtl="0">
+              <a:spcBef>
+                <a:spcPts val="0"/>
+              </a:spcBef>
+              <a:spcAft>
+                <a:spcPts val="0"/>
+              </a:spcAft>
+              <a:buNone/>
+            </a:pPr>
+            <a:r>
+              <a:rPr lang="en-US" sz="1800" b="0" i="0" u="none" strike="noStrike" cap="none" dirty="0">
+                <a:solidFill>
+                  <a:schemeClr val="lt1"/>
+                </a:solidFill>
+                <a:latin typeface="Calibri"/>
+                <a:ea typeface="Calibri"/>
+                <a:cs typeface="Calibri"/>
+                <a:sym typeface="Calibri"/>
+              </a:rPr>
+              <a:t>c</a:t>
+            </a:r>
+            <a:endParaRPr dirty="0"/>
+          </a:p>
+        </p:txBody>
+      </p:sp>
+      <p:sp>
+        <p:nvSpPr>
+          <p:cNvPr id="50" name="Google Shape;207;g2222f62c6e8_0_5"/>
+          <p:cNvSpPr txBox="1"/>
+          <p:nvPr/>
+        </p:nvSpPr>
+        <p:spPr>
+          <a:xfrm>
+            <a:off x="2159515" y="1433822"/>
+            <a:ext cx="989400" cy="507791"/>
+          </a:xfrm>
+          <a:prstGeom prst="rect">
+            <a:avLst/>
+          </a:prstGeom>
+          <a:noFill/>
+          <a:ln>
+            <a:noFill/>
+          </a:ln>
+        </p:spPr>
+        <p:txBody>
+          <a:bodyPr spcFirstLastPara="1" wrap="square" lIns="91425" tIns="45700" rIns="91425" bIns="45700" anchor="t" anchorCtr="0">
+            <a:spAutoFit/>
+          </a:bodyPr>
+          <a:lstStyle/>
+          <a:p>
+            <a:pPr marL="0" marR="0" lvl="0" indent="0" algn="ctr" rtl="0">
+              <a:spcBef>
+                <a:spcPts val="0"/>
+              </a:spcBef>
+              <a:spcAft>
+                <a:spcPts val="0"/>
+              </a:spcAft>
+              <a:buNone/>
+            </a:pPr>
+            <a:r>
+              <a:rPr lang="en-US" sz="1300" b="0" i="0" u="none" strike="noStrike" cap="none" dirty="0" smtClean="0">
+                <a:solidFill>
+                  <a:schemeClr val="dk1"/>
+                </a:solidFill>
+                <a:latin typeface="Palatino Linotype"/>
+                <a:ea typeface="Palatino Linotype"/>
+                <a:cs typeface="Palatino Linotype"/>
+                <a:sym typeface="Palatino Linotype"/>
+              </a:rPr>
+              <a:t>Source</a:t>
+            </a:r>
+          </a:p>
+          <a:p>
+            <a:pPr marL="0" marR="0" lvl="0" indent="0" algn="ctr" rtl="0">
+              <a:spcBef>
+                <a:spcPts val="0"/>
+              </a:spcBef>
+              <a:spcAft>
+                <a:spcPts val="0"/>
+              </a:spcAft>
+              <a:buNone/>
+            </a:pPr>
+            <a:r>
+              <a:rPr lang="en-US" sz="1300" dirty="0" smtClean="0">
+                <a:solidFill>
+                  <a:schemeClr val="dk1"/>
+                </a:solidFill>
+                <a:latin typeface="Palatino Linotype"/>
+                <a:sym typeface="Palatino Linotype"/>
+              </a:rPr>
+              <a:t>Operator</a:t>
+            </a:r>
+            <a:endParaRPr dirty="0"/>
+          </a:p>
+        </p:txBody>
+      </p:sp>
+      <p:sp>
+        <p:nvSpPr>
+          <p:cNvPr id="55" name="Google Shape;208;g2222f62c6e8_0_5"/>
+          <p:cNvSpPr txBox="1"/>
+          <p:nvPr/>
+        </p:nvSpPr>
+        <p:spPr>
+          <a:xfrm>
+            <a:off x="1758095" y="951578"/>
+            <a:ext cx="1819741" cy="292347"/>
+          </a:xfrm>
+          <a:prstGeom prst="rect">
+            <a:avLst/>
+          </a:prstGeom>
+          <a:noFill/>
+          <a:ln>
+            <a:noFill/>
+          </a:ln>
+        </p:spPr>
+        <p:txBody>
+          <a:bodyPr spcFirstLastPara="1" wrap="square" lIns="91425" tIns="45700" rIns="91425" bIns="45700" anchor="t" anchorCtr="0">
+            <a:spAutoFit/>
+          </a:bodyPr>
+          <a:lstStyle/>
+          <a:p>
+            <a:pPr marL="0" marR="0" lvl="0" indent="0" algn="ctr" rtl="0">
+              <a:spcBef>
+                <a:spcPts val="0"/>
+              </a:spcBef>
+              <a:spcAft>
+                <a:spcPts val="0"/>
+              </a:spcAft>
+              <a:buNone/>
+            </a:pPr>
+            <a:r>
+              <a:rPr lang="en-US" sz="1300" b="1" i="0" u="none" strike="noStrike" cap="none" dirty="0" err="1" smtClean="0">
+                <a:solidFill>
+                  <a:schemeClr val="dk1"/>
+                </a:solidFill>
+                <a:latin typeface="Palatino Linotype"/>
+                <a:ea typeface="Palatino Linotype"/>
+                <a:cs typeface="Palatino Linotype"/>
+                <a:sym typeface="Palatino Linotype"/>
+              </a:rPr>
+              <a:t>VisitStreamingApp</a:t>
+            </a:r>
+            <a:endParaRPr b="1" dirty="0"/>
+          </a:p>
+        </p:txBody>
+      </p:sp>
+      <p:sp>
+        <p:nvSpPr>
+          <p:cNvPr id="61" name="Google Shape;207;g2222f62c6e8_0_5"/>
+          <p:cNvSpPr txBox="1"/>
+          <p:nvPr/>
+        </p:nvSpPr>
+        <p:spPr>
+          <a:xfrm>
+            <a:off x="3708550" y="1337918"/>
+            <a:ext cx="1046226" cy="492402"/>
+          </a:xfrm>
+          <a:prstGeom prst="rect">
+            <a:avLst/>
+          </a:prstGeom>
+          <a:noFill/>
+          <a:ln>
+            <a:noFill/>
+          </a:ln>
+        </p:spPr>
+        <p:txBody>
+          <a:bodyPr spcFirstLastPara="1" wrap="square" lIns="91425" tIns="45700" rIns="91425" bIns="45700" anchor="t" anchorCtr="0">
+            <a:spAutoFit/>
+          </a:bodyPr>
+          <a:lstStyle/>
+          <a:p>
+            <a:pPr marL="0" marR="0" lvl="0" indent="0" algn="ctr" rtl="0">
+              <a:spcBef>
+                <a:spcPts val="0"/>
+              </a:spcBef>
+              <a:spcAft>
+                <a:spcPts val="0"/>
+              </a:spcAft>
+              <a:buNone/>
+            </a:pPr>
+            <a:r>
+              <a:rPr lang="en-US" sz="1300" b="0" i="0" u="none" strike="noStrike" cap="none" dirty="0" smtClean="0">
+                <a:solidFill>
+                  <a:schemeClr val="dk1"/>
+                </a:solidFill>
+                <a:latin typeface="Palatino Linotype"/>
+                <a:ea typeface="Palatino Linotype"/>
+                <a:cs typeface="Palatino Linotype"/>
+                <a:sym typeface="Palatino Linotype"/>
+              </a:rPr>
+              <a:t>Visit</a:t>
+            </a:r>
+          </a:p>
+          <a:p>
+            <a:pPr marL="0" marR="0" lvl="0" indent="0" algn="ctr" rtl="0">
+              <a:spcBef>
+                <a:spcPts val="0"/>
+              </a:spcBef>
+              <a:spcAft>
+                <a:spcPts val="0"/>
+              </a:spcAft>
+              <a:buNone/>
+            </a:pPr>
+            <a:r>
+              <a:rPr lang="en-US" sz="1300" b="0" i="0" u="none" strike="noStrike" cap="none" dirty="0" smtClean="0">
+                <a:solidFill>
+                  <a:schemeClr val="dk1"/>
+                </a:solidFill>
+                <a:latin typeface="Palatino Linotype"/>
+                <a:ea typeface="Palatino Linotype"/>
+                <a:cs typeface="Palatino Linotype"/>
+                <a:sym typeface="Palatino Linotype"/>
+              </a:rPr>
+              <a:t>Formatting</a:t>
+            </a:r>
+            <a:endParaRPr dirty="0"/>
+          </a:p>
+        </p:txBody>
+      </p:sp>
+      <p:sp>
+        <p:nvSpPr>
+          <p:cNvPr id="62" name="Google Shape;161;g2222f62c6e8_0_5"/>
+          <p:cNvSpPr/>
+          <p:nvPr/>
+        </p:nvSpPr>
+        <p:spPr>
+          <a:xfrm>
+            <a:off x="5375989" y="1263363"/>
+            <a:ext cx="858600" cy="819000"/>
+          </a:xfrm>
+          <a:prstGeom prst="ellipse">
+            <a:avLst/>
+          </a:prstGeom>
+          <a:noFill/>
+          <a:ln w="12700" cap="flat" cmpd="sng">
+            <a:solidFill>
+              <a:schemeClr val="dk1"/>
+            </a:solidFill>
+            <a:prstDash val="solid"/>
+            <a:miter lim="800000"/>
+            <a:headEnd type="none" w="sm" len="sm"/>
+            <a:tailEnd type="none" w="sm" len="sm"/>
+          </a:ln>
+        </p:spPr>
+        <p:txBody>
+          <a:bodyPr spcFirstLastPara="1" wrap="square" lIns="91425" tIns="45700" rIns="91425" bIns="45700" anchor="ctr" anchorCtr="0">
+            <a:noAutofit/>
+          </a:bodyPr>
+          <a:lstStyle/>
+          <a:p>
+            <a:pPr marL="0" marR="0" lvl="0" indent="0" algn="ctr" rtl="0">
+              <a:spcBef>
+                <a:spcPts val="0"/>
+              </a:spcBef>
+              <a:spcAft>
+                <a:spcPts val="0"/>
+              </a:spcAft>
+              <a:buNone/>
+            </a:pPr>
+            <a:r>
+              <a:rPr lang="en-US" sz="1800" b="0" i="0" u="none" strike="noStrike" cap="none">
+                <a:solidFill>
+                  <a:schemeClr val="lt1"/>
+                </a:solidFill>
+                <a:latin typeface="Calibri"/>
+                <a:ea typeface="Calibri"/>
+                <a:cs typeface="Calibri"/>
+                <a:sym typeface="Calibri"/>
+              </a:rPr>
+              <a:t>c</a:t>
+            </a:r>
+            <a:endParaRPr/>
+          </a:p>
+        </p:txBody>
+      </p:sp>
+      <p:cxnSp>
+        <p:nvCxnSpPr>
+          <p:cNvPr id="63" name="Google Shape;206;g2222f62c6e8_0_5"/>
+          <p:cNvCxnSpPr/>
+          <p:nvPr/>
+        </p:nvCxnSpPr>
+        <p:spPr>
+          <a:xfrm>
+            <a:off x="4659052" y="1687718"/>
+            <a:ext cx="699449" cy="0"/>
+          </a:xfrm>
+          <a:prstGeom prst="straightConnector1">
+            <a:avLst/>
+          </a:prstGeom>
+          <a:noFill/>
+          <a:ln w="9525" cap="flat" cmpd="sng">
+            <a:solidFill>
+              <a:schemeClr val="dk1"/>
+            </a:solidFill>
+            <a:prstDash val="solid"/>
+            <a:miter lim="800000"/>
+            <a:headEnd type="none" w="sm" len="sm"/>
+            <a:tailEnd type="triangle" w="med" len="med"/>
+          </a:ln>
+        </p:spPr>
+      </p:cxnSp>
+      <p:sp>
+        <p:nvSpPr>
+          <p:cNvPr id="64" name="Google Shape;207;g2222f62c6e8_0_5"/>
+          <p:cNvSpPr txBox="1"/>
+          <p:nvPr/>
+        </p:nvSpPr>
+        <p:spPr>
+          <a:xfrm>
+            <a:off x="5310589" y="1441517"/>
+            <a:ext cx="989400" cy="492402"/>
+          </a:xfrm>
+          <a:prstGeom prst="rect">
+            <a:avLst/>
+          </a:prstGeom>
+          <a:noFill/>
+          <a:ln>
+            <a:noFill/>
+          </a:ln>
+        </p:spPr>
+        <p:txBody>
+          <a:bodyPr spcFirstLastPara="1" wrap="square" lIns="91425" tIns="45700" rIns="91425" bIns="45700" anchor="t" anchorCtr="0">
+            <a:spAutoFit/>
+          </a:bodyPr>
+          <a:lstStyle/>
+          <a:p>
+            <a:pPr marL="0" marR="0" lvl="0" indent="0" algn="ctr" rtl="0">
+              <a:spcBef>
+                <a:spcPts val="0"/>
+              </a:spcBef>
+              <a:spcAft>
+                <a:spcPts val="0"/>
+              </a:spcAft>
+              <a:buNone/>
+            </a:pPr>
+            <a:r>
+              <a:rPr lang="en-US" sz="1300" dirty="0" smtClean="0">
+                <a:solidFill>
+                  <a:schemeClr val="dk1"/>
+                </a:solidFill>
+                <a:latin typeface="Palatino Linotype"/>
+                <a:sym typeface="Palatino Linotype"/>
+              </a:rPr>
+              <a:t>Sink DB</a:t>
+            </a:r>
+          </a:p>
+          <a:p>
+            <a:pPr marL="0" marR="0" lvl="0" indent="0" algn="ctr" rtl="0">
+              <a:spcBef>
+                <a:spcPts val="0"/>
+              </a:spcBef>
+              <a:spcAft>
+                <a:spcPts val="0"/>
+              </a:spcAft>
+              <a:buNone/>
+            </a:pPr>
+            <a:r>
+              <a:rPr lang="en-US" sz="1300" dirty="0" smtClean="0">
+                <a:solidFill>
+                  <a:schemeClr val="dk1"/>
+                </a:solidFill>
+                <a:latin typeface="Palatino Linotype"/>
+                <a:sym typeface="Palatino Linotype"/>
+              </a:rPr>
+              <a:t>Operator </a:t>
+            </a:r>
+            <a:endParaRPr dirty="0"/>
+          </a:p>
+        </p:txBody>
+      </p:sp>
+      <p:sp>
+        <p:nvSpPr>
+          <p:cNvPr id="65" name="Google Shape;161;g2222f62c6e8_0_5"/>
+          <p:cNvSpPr/>
+          <p:nvPr/>
+        </p:nvSpPr>
+        <p:spPr>
+          <a:xfrm>
+            <a:off x="3865852" y="2933944"/>
+            <a:ext cx="858600" cy="819000"/>
+          </a:xfrm>
+          <a:prstGeom prst="ellipse">
+            <a:avLst/>
+          </a:prstGeom>
+          <a:noFill/>
+          <a:ln w="12700" cap="flat" cmpd="sng">
+            <a:solidFill>
+              <a:schemeClr val="dk1"/>
+            </a:solidFill>
+            <a:prstDash val="solid"/>
+            <a:miter lim="800000"/>
+            <a:headEnd type="none" w="sm" len="sm"/>
+            <a:tailEnd type="none" w="sm" len="sm"/>
+          </a:ln>
+        </p:spPr>
+        <p:txBody>
+          <a:bodyPr spcFirstLastPara="1" wrap="square" lIns="91425" tIns="45700" rIns="91425" bIns="45700" anchor="ctr" anchorCtr="0">
+            <a:noAutofit/>
+          </a:bodyPr>
+          <a:lstStyle/>
+          <a:p>
+            <a:pPr marL="0" marR="0" lvl="0" indent="0" algn="ctr" rtl="0">
+              <a:spcBef>
+                <a:spcPts val="0"/>
+              </a:spcBef>
+              <a:spcAft>
+                <a:spcPts val="0"/>
+              </a:spcAft>
+              <a:buNone/>
+            </a:pPr>
+            <a:r>
+              <a:rPr lang="en-US" sz="1800" b="0" i="0" u="none" strike="noStrike" cap="none">
+                <a:solidFill>
+                  <a:schemeClr val="lt1"/>
+                </a:solidFill>
+                <a:latin typeface="Calibri"/>
+                <a:ea typeface="Calibri"/>
+                <a:cs typeface="Calibri"/>
+                <a:sym typeface="Calibri"/>
+              </a:rPr>
+              <a:t>c</a:t>
+            </a:r>
+            <a:endParaRPr/>
+          </a:p>
+        </p:txBody>
+      </p:sp>
+      <p:cxnSp>
+        <p:nvCxnSpPr>
+          <p:cNvPr id="66" name="Google Shape;206;g2222f62c6e8_0_5"/>
+          <p:cNvCxnSpPr>
+            <a:stCxn id="67" idx="6"/>
+          </p:cNvCxnSpPr>
+          <p:nvPr/>
+        </p:nvCxnSpPr>
+        <p:spPr>
+          <a:xfrm>
+            <a:off x="3148915" y="3358299"/>
+            <a:ext cx="699449" cy="0"/>
+          </a:xfrm>
+          <a:prstGeom prst="straightConnector1">
+            <a:avLst/>
+          </a:prstGeom>
+          <a:noFill/>
+          <a:ln w="9525" cap="flat" cmpd="sng">
+            <a:solidFill>
+              <a:schemeClr val="dk1"/>
+            </a:solidFill>
+            <a:prstDash val="solid"/>
+            <a:miter lim="800000"/>
+            <a:headEnd type="none" w="sm" len="sm"/>
+            <a:tailEnd type="triangle" w="med" len="med"/>
+          </a:ln>
+        </p:spPr>
+      </p:cxnSp>
+      <p:sp>
+        <p:nvSpPr>
+          <p:cNvPr id="67" name="Google Shape;219;g2222f62c6e8_0_5"/>
+          <p:cNvSpPr/>
+          <p:nvPr/>
+        </p:nvSpPr>
+        <p:spPr>
+          <a:xfrm>
+            <a:off x="2290315" y="2948799"/>
+            <a:ext cx="858600" cy="819000"/>
+          </a:xfrm>
+          <a:prstGeom prst="ellipse">
+            <a:avLst/>
+          </a:prstGeom>
+          <a:noFill/>
+          <a:ln w="12700" cap="flat" cmpd="sng">
+            <a:solidFill>
+              <a:schemeClr val="dk1"/>
+            </a:solidFill>
+            <a:prstDash val="solid"/>
+            <a:miter lim="800000"/>
+            <a:headEnd type="none" w="sm" len="sm"/>
+            <a:tailEnd type="none" w="sm" len="sm"/>
+          </a:ln>
+        </p:spPr>
+        <p:txBody>
+          <a:bodyPr spcFirstLastPara="1" wrap="square" lIns="91425" tIns="45700" rIns="91425" bIns="45700" anchor="ctr" anchorCtr="0">
+            <a:noAutofit/>
+          </a:bodyPr>
+          <a:lstStyle/>
+          <a:p>
+            <a:pPr marL="0" marR="0" lvl="0" indent="0" algn="ctr" rtl="0">
+              <a:spcBef>
+                <a:spcPts val="0"/>
+              </a:spcBef>
+              <a:spcAft>
+                <a:spcPts val="0"/>
+              </a:spcAft>
+              <a:buNone/>
+            </a:pPr>
+            <a:r>
+              <a:rPr lang="en-US" sz="1800" b="0" i="0" u="none" strike="noStrike" cap="none" dirty="0">
+                <a:solidFill>
+                  <a:schemeClr val="lt1"/>
+                </a:solidFill>
+                <a:latin typeface="Calibri"/>
+                <a:ea typeface="Calibri"/>
+                <a:cs typeface="Calibri"/>
+                <a:sym typeface="Calibri"/>
+              </a:rPr>
+              <a:t>c</a:t>
+            </a:r>
+            <a:endParaRPr dirty="0"/>
+          </a:p>
+        </p:txBody>
+      </p:sp>
+      <p:sp>
+        <p:nvSpPr>
+          <p:cNvPr id="68" name="Google Shape;207;g2222f62c6e8_0_5"/>
+          <p:cNvSpPr txBox="1"/>
+          <p:nvPr/>
+        </p:nvSpPr>
+        <p:spPr>
+          <a:xfrm>
+            <a:off x="2224915" y="3104403"/>
+            <a:ext cx="989400" cy="507791"/>
+          </a:xfrm>
+          <a:prstGeom prst="rect">
+            <a:avLst/>
+          </a:prstGeom>
+          <a:noFill/>
+          <a:ln>
+            <a:noFill/>
+          </a:ln>
+        </p:spPr>
+        <p:txBody>
+          <a:bodyPr spcFirstLastPara="1" wrap="square" lIns="91425" tIns="45700" rIns="91425" bIns="45700" anchor="t" anchorCtr="0">
+            <a:spAutoFit/>
+          </a:bodyPr>
+          <a:lstStyle/>
+          <a:p>
+            <a:pPr marL="0" marR="0" lvl="0" indent="0" algn="ctr" rtl="0">
+              <a:spcBef>
+                <a:spcPts val="0"/>
+              </a:spcBef>
+              <a:spcAft>
+                <a:spcPts val="0"/>
+              </a:spcAft>
+              <a:buNone/>
+            </a:pPr>
+            <a:r>
+              <a:rPr lang="en-US" sz="1300" b="0" i="0" u="none" strike="noStrike" cap="none" dirty="0" smtClean="0">
+                <a:solidFill>
+                  <a:schemeClr val="dk1"/>
+                </a:solidFill>
+                <a:latin typeface="Palatino Linotype"/>
+                <a:ea typeface="Palatino Linotype"/>
+                <a:cs typeface="Palatino Linotype"/>
+                <a:sym typeface="Palatino Linotype"/>
+              </a:rPr>
+              <a:t>Source</a:t>
+            </a:r>
+          </a:p>
+          <a:p>
+            <a:pPr marL="0" marR="0" lvl="0" indent="0" algn="ctr" rtl="0">
+              <a:spcBef>
+                <a:spcPts val="0"/>
+              </a:spcBef>
+              <a:spcAft>
+                <a:spcPts val="0"/>
+              </a:spcAft>
+              <a:buNone/>
+            </a:pPr>
+            <a:r>
+              <a:rPr lang="en-US" sz="1300" dirty="0" smtClean="0">
+                <a:solidFill>
+                  <a:schemeClr val="dk1"/>
+                </a:solidFill>
+                <a:latin typeface="Palatino Linotype"/>
+                <a:sym typeface="Palatino Linotype"/>
+              </a:rPr>
+              <a:t>Operator</a:t>
+            </a:r>
+            <a:endParaRPr dirty="0"/>
+          </a:p>
+        </p:txBody>
+      </p:sp>
+      <p:sp>
+        <p:nvSpPr>
+          <p:cNvPr id="69" name="Google Shape;208;g2222f62c6e8_0_5"/>
+          <p:cNvSpPr txBox="1"/>
+          <p:nvPr/>
+        </p:nvSpPr>
+        <p:spPr>
+          <a:xfrm>
+            <a:off x="1830983" y="2466420"/>
+            <a:ext cx="1969469" cy="292347"/>
+          </a:xfrm>
+          <a:prstGeom prst="rect">
+            <a:avLst/>
+          </a:prstGeom>
+          <a:noFill/>
+          <a:ln>
+            <a:noFill/>
+          </a:ln>
+        </p:spPr>
+        <p:txBody>
+          <a:bodyPr spcFirstLastPara="1" wrap="square" lIns="91425" tIns="45700" rIns="91425" bIns="45700" anchor="t" anchorCtr="0">
+            <a:spAutoFit/>
+          </a:bodyPr>
+          <a:lstStyle/>
+          <a:p>
+            <a:pPr marL="0" marR="0" lvl="0" indent="0" algn="ctr" rtl="0">
+              <a:spcBef>
+                <a:spcPts val="0"/>
+              </a:spcBef>
+              <a:spcAft>
+                <a:spcPts val="0"/>
+              </a:spcAft>
+              <a:buNone/>
+            </a:pPr>
+            <a:r>
+              <a:rPr lang="en-US" sz="1300" b="1" i="0" u="none" strike="noStrike" cap="none" dirty="0" err="1" smtClean="0">
+                <a:solidFill>
+                  <a:schemeClr val="dk1"/>
+                </a:solidFill>
+                <a:latin typeface="Palatino Linotype"/>
+                <a:ea typeface="Palatino Linotype"/>
+                <a:cs typeface="Palatino Linotype"/>
+                <a:sym typeface="Palatino Linotype"/>
+              </a:rPr>
+              <a:t>NetworkStreamingApp</a:t>
+            </a:r>
+            <a:endParaRPr b="1" dirty="0"/>
+          </a:p>
+        </p:txBody>
+      </p:sp>
+      <p:sp>
+        <p:nvSpPr>
+          <p:cNvPr id="70" name="Google Shape;207;g2222f62c6e8_0_5"/>
+          <p:cNvSpPr txBox="1"/>
+          <p:nvPr/>
+        </p:nvSpPr>
+        <p:spPr>
+          <a:xfrm>
+            <a:off x="3754501" y="3049904"/>
+            <a:ext cx="1081302" cy="492402"/>
+          </a:xfrm>
+          <a:prstGeom prst="rect">
+            <a:avLst/>
+          </a:prstGeom>
+          <a:noFill/>
+          <a:ln>
+            <a:noFill/>
+          </a:ln>
+        </p:spPr>
+        <p:txBody>
+          <a:bodyPr spcFirstLastPara="1" wrap="square" lIns="91425" tIns="45700" rIns="91425" bIns="45700" anchor="t" anchorCtr="0">
+            <a:spAutoFit/>
+          </a:bodyPr>
+          <a:lstStyle/>
+          <a:p>
+            <a:pPr marL="0" marR="0" lvl="0" indent="0" algn="ctr" rtl="0">
+              <a:spcBef>
+                <a:spcPts val="0"/>
+              </a:spcBef>
+              <a:spcAft>
+                <a:spcPts val="0"/>
+              </a:spcAft>
+              <a:buNone/>
+            </a:pPr>
+            <a:r>
+              <a:rPr lang="en-US" sz="1300" b="0" i="0" u="none" strike="noStrike" cap="none" dirty="0" smtClean="0">
+                <a:solidFill>
+                  <a:schemeClr val="dk1"/>
+                </a:solidFill>
+                <a:latin typeface="Palatino Linotype"/>
+                <a:ea typeface="Palatino Linotype"/>
+                <a:cs typeface="Palatino Linotype"/>
+                <a:sym typeface="Palatino Linotype"/>
+              </a:rPr>
+              <a:t>Network</a:t>
+            </a:r>
+          </a:p>
+          <a:p>
+            <a:pPr marL="0" marR="0" lvl="0" indent="0" algn="ctr" rtl="0">
+              <a:spcBef>
+                <a:spcPts val="0"/>
+              </a:spcBef>
+              <a:spcAft>
+                <a:spcPts val="0"/>
+              </a:spcAft>
+              <a:buNone/>
+            </a:pPr>
+            <a:r>
+              <a:rPr lang="en-US" sz="1300" b="0" i="0" u="none" strike="noStrike" cap="none" dirty="0" smtClean="0">
+                <a:solidFill>
+                  <a:schemeClr val="dk1"/>
+                </a:solidFill>
+                <a:latin typeface="Palatino Linotype"/>
+                <a:ea typeface="Palatino Linotype"/>
+                <a:cs typeface="Palatino Linotype"/>
+                <a:sym typeface="Palatino Linotype"/>
+              </a:rPr>
+              <a:t>Formatting</a:t>
+            </a:r>
+            <a:endParaRPr dirty="0"/>
+          </a:p>
+        </p:txBody>
+      </p:sp>
+      <p:sp>
+        <p:nvSpPr>
+          <p:cNvPr id="71" name="Google Shape;161;g2222f62c6e8_0_5"/>
+          <p:cNvSpPr/>
+          <p:nvPr/>
+        </p:nvSpPr>
+        <p:spPr>
+          <a:xfrm>
+            <a:off x="5441389" y="2933944"/>
+            <a:ext cx="858600" cy="819000"/>
+          </a:xfrm>
+          <a:prstGeom prst="ellipse">
+            <a:avLst/>
+          </a:prstGeom>
+          <a:noFill/>
+          <a:ln w="12700" cap="flat" cmpd="sng">
+            <a:solidFill>
+              <a:schemeClr val="dk1"/>
+            </a:solidFill>
+            <a:prstDash val="solid"/>
+            <a:miter lim="800000"/>
+            <a:headEnd type="none" w="sm" len="sm"/>
+            <a:tailEnd type="none" w="sm" len="sm"/>
+          </a:ln>
+        </p:spPr>
+        <p:txBody>
+          <a:bodyPr spcFirstLastPara="1" wrap="square" lIns="91425" tIns="45700" rIns="91425" bIns="45700" anchor="ctr" anchorCtr="0">
+            <a:noAutofit/>
+          </a:bodyPr>
+          <a:lstStyle/>
+          <a:p>
+            <a:pPr marL="0" marR="0" lvl="0" indent="0" algn="ctr" rtl="0">
+              <a:spcBef>
+                <a:spcPts val="0"/>
+              </a:spcBef>
+              <a:spcAft>
+                <a:spcPts val="0"/>
+              </a:spcAft>
+              <a:buNone/>
+            </a:pPr>
+            <a:r>
+              <a:rPr lang="en-US" sz="1800" b="0" i="0" u="none" strike="noStrike" cap="none">
+                <a:solidFill>
+                  <a:schemeClr val="lt1"/>
+                </a:solidFill>
+                <a:latin typeface="Calibri"/>
+                <a:ea typeface="Calibri"/>
+                <a:cs typeface="Calibri"/>
+                <a:sym typeface="Calibri"/>
+              </a:rPr>
+              <a:t>c</a:t>
+            </a:r>
+            <a:endParaRPr/>
+          </a:p>
+        </p:txBody>
+      </p:sp>
+      <p:cxnSp>
+        <p:nvCxnSpPr>
+          <p:cNvPr id="72" name="Google Shape;206;g2222f62c6e8_0_5"/>
+          <p:cNvCxnSpPr/>
+          <p:nvPr/>
+        </p:nvCxnSpPr>
+        <p:spPr>
+          <a:xfrm>
+            <a:off x="4724452" y="3358299"/>
+            <a:ext cx="699449" cy="0"/>
+          </a:xfrm>
+          <a:prstGeom prst="straightConnector1">
+            <a:avLst/>
+          </a:prstGeom>
+          <a:noFill/>
+          <a:ln w="9525" cap="flat" cmpd="sng">
+            <a:solidFill>
+              <a:schemeClr val="dk1"/>
+            </a:solidFill>
+            <a:prstDash val="solid"/>
+            <a:miter lim="800000"/>
+            <a:headEnd type="none" w="sm" len="sm"/>
+            <a:tailEnd type="triangle" w="med" len="med"/>
+          </a:ln>
+        </p:spPr>
+      </p:cxnSp>
+      <p:sp>
+        <p:nvSpPr>
+          <p:cNvPr id="73" name="Google Shape;207;g2222f62c6e8_0_5"/>
+          <p:cNvSpPr txBox="1"/>
+          <p:nvPr/>
+        </p:nvSpPr>
+        <p:spPr>
+          <a:xfrm>
+            <a:off x="5375989" y="3112098"/>
+            <a:ext cx="989400" cy="492402"/>
+          </a:xfrm>
+          <a:prstGeom prst="rect">
+            <a:avLst/>
+          </a:prstGeom>
+          <a:noFill/>
+          <a:ln>
+            <a:noFill/>
+          </a:ln>
+        </p:spPr>
+        <p:txBody>
+          <a:bodyPr spcFirstLastPara="1" wrap="square" lIns="91425" tIns="45700" rIns="91425" bIns="45700" anchor="t" anchorCtr="0">
+            <a:spAutoFit/>
+          </a:bodyPr>
+          <a:lstStyle/>
+          <a:p>
+            <a:pPr marL="0" marR="0" lvl="0" indent="0" algn="ctr" rtl="0">
+              <a:spcBef>
+                <a:spcPts val="0"/>
+              </a:spcBef>
+              <a:spcAft>
+                <a:spcPts val="0"/>
+              </a:spcAft>
+              <a:buNone/>
+            </a:pPr>
+            <a:r>
+              <a:rPr lang="en-US" sz="1300" dirty="0" smtClean="0">
+                <a:solidFill>
+                  <a:schemeClr val="dk1"/>
+                </a:solidFill>
+                <a:latin typeface="Palatino Linotype"/>
+                <a:sym typeface="Palatino Linotype"/>
+              </a:rPr>
+              <a:t>Sink DB</a:t>
+            </a:r>
+          </a:p>
+          <a:p>
+            <a:pPr marL="0" marR="0" lvl="0" indent="0" algn="ctr" rtl="0">
+              <a:spcBef>
+                <a:spcPts val="0"/>
+              </a:spcBef>
+              <a:spcAft>
+                <a:spcPts val="0"/>
+              </a:spcAft>
+              <a:buNone/>
+            </a:pPr>
+            <a:r>
+              <a:rPr lang="en-US" sz="1300" dirty="0" smtClean="0">
+                <a:solidFill>
+                  <a:schemeClr val="dk1"/>
+                </a:solidFill>
+                <a:latin typeface="Palatino Linotype"/>
+                <a:sym typeface="Palatino Linotype"/>
+              </a:rPr>
+              <a:t>Operator </a:t>
+            </a:r>
+            <a:endParaRPr dirty="0"/>
+          </a:p>
+        </p:txBody>
+      </p:sp>
+      <p:pic>
+        <p:nvPicPr>
+          <p:cNvPr id="74" name="Picture 2" descr="How to Create S3 Bucket and Add Object in AWS Step by Step:-"/>
+          <p:cNvPicPr>
+            <a:picLocks noChangeAspect="1" noChangeArrowheads="1"/>
+          </p:cNvPicPr>
+          <p:nvPr/>
+        </p:nvPicPr>
+        <p:blipFill>
+          <a:blip r:embed="rId2">
+            <a:extLst>
+              <a:ext uri="{28A0092B-C50C-407E-A947-70E740481C1C}">
+                <a14:useLocalDpi xmlns:a14="http://schemas.microsoft.com/office/drawing/2010/main" val="0"/>
+              </a:ext>
+            </a:extLst>
+          </a:blip>
+          <a:srcRect/>
+          <a:stretch>
+            <a:fillRect/>
+          </a:stretch>
+        </p:blipFill>
+        <p:spPr bwMode="auto">
+          <a:xfrm>
+            <a:off x="-437545" y="1799552"/>
+            <a:ext cx="1874692" cy="1201487"/>
+          </a:xfrm>
+          <a:prstGeom prst="rect">
+            <a:avLst/>
+          </a:prstGeom>
+          <a:noFill/>
+          <a:extLst>
+            <a:ext uri="{909E8E84-426E-40DD-AFC4-6F175D3DCCD1}">
+              <a14:hiddenFill xmlns:a14="http://schemas.microsoft.com/office/drawing/2010/main">
+                <a:solidFill>
+                  <a:srgbClr val="FFFFFF"/>
+                </a:solidFill>
+              </a14:hiddenFill>
+            </a:ext>
+          </a:extLst>
+        </p:spPr>
+      </p:pic>
+      <p:sp>
+        <p:nvSpPr>
+          <p:cNvPr id="75" name="Google Shape;158;g2222f62c6e8_0_5"/>
+          <p:cNvSpPr/>
+          <p:nvPr/>
+        </p:nvSpPr>
+        <p:spPr>
+          <a:xfrm>
+            <a:off x="1755280" y="2487668"/>
+            <a:ext cx="4734898" cy="1378299"/>
+          </a:xfrm>
+          <a:prstGeom prst="roundRect">
+            <a:avLst>
+              <a:gd name="adj" fmla="val 16667"/>
+            </a:avLst>
+          </a:prstGeom>
+          <a:noFill/>
+          <a:ln w="9525" cap="flat" cmpd="sng">
+            <a:solidFill>
+              <a:schemeClr val="dk1"/>
+            </a:solidFill>
+            <a:prstDash val="lgDashDotDot"/>
+            <a:round/>
+            <a:headEnd type="none" w="sm" len="sm"/>
+            <a:tailEnd type="none" w="sm" len="sm"/>
+          </a:ln>
+        </p:spPr>
+        <p:txBody>
+          <a:bodyPr spcFirstLastPara="1" wrap="square" lIns="91425" tIns="91425" rIns="91425" bIns="91425" anchor="ctr" anchorCtr="0">
+            <a:noAutofit/>
+          </a:bodyPr>
+          <a:lstStyle/>
+          <a:p>
+            <a:pPr marL="0" lvl="0" indent="0" algn="l" rtl="0">
+              <a:spcBef>
+                <a:spcPts val="0"/>
+              </a:spcBef>
+              <a:spcAft>
+                <a:spcPts val="0"/>
+              </a:spcAft>
+              <a:buNone/>
+            </a:pPr>
+            <a:endParaRPr/>
+          </a:p>
+        </p:txBody>
+      </p:sp>
+      <p:cxnSp>
+        <p:nvCxnSpPr>
+          <p:cNvPr id="77" name="Ευθεία γραμμή σύνδεσης 76"/>
+          <p:cNvCxnSpPr>
+            <a:endCxn id="50" idx="1"/>
+          </p:cNvCxnSpPr>
+          <p:nvPr/>
+        </p:nvCxnSpPr>
+        <p:spPr>
+          <a:xfrm flipV="1">
+            <a:off x="897165" y="1687718"/>
+            <a:ext cx="1262350" cy="394645"/>
+          </a:xfrm>
+          <a:prstGeom prst="line">
+            <a:avLst/>
+          </a:prstGeom>
+          <a:ln w="28575">
+            <a:solidFill>
+              <a:schemeClr val="tx1"/>
+            </a:solidFill>
+            <a:prstDash val="dash"/>
+          </a:ln>
+        </p:spPr>
+        <p:style>
+          <a:lnRef idx="1">
+            <a:schemeClr val="accent1"/>
+          </a:lnRef>
+          <a:fillRef idx="0">
+            <a:schemeClr val="accent1"/>
+          </a:fillRef>
+          <a:effectRef idx="0">
+            <a:schemeClr val="accent1"/>
+          </a:effectRef>
+          <a:fontRef idx="minor">
+            <a:schemeClr val="tx1"/>
+          </a:fontRef>
+        </p:style>
+      </p:cxnSp>
+      <p:cxnSp>
+        <p:nvCxnSpPr>
+          <p:cNvPr id="80" name="Ευθεία γραμμή σύνδεσης 79"/>
+          <p:cNvCxnSpPr>
+            <a:endCxn id="68" idx="1"/>
+          </p:cNvCxnSpPr>
+          <p:nvPr/>
+        </p:nvCxnSpPr>
+        <p:spPr>
+          <a:xfrm>
+            <a:off x="867661" y="2632392"/>
+            <a:ext cx="1357254" cy="725907"/>
+          </a:xfrm>
+          <a:prstGeom prst="line">
+            <a:avLst/>
+          </a:prstGeom>
+          <a:ln w="28575">
+            <a:solidFill>
+              <a:schemeClr val="tx1"/>
+            </a:solidFill>
+          </a:ln>
+        </p:spPr>
+        <p:style>
+          <a:lnRef idx="1">
+            <a:schemeClr val="accent1"/>
+          </a:lnRef>
+          <a:fillRef idx="0">
+            <a:schemeClr val="accent1"/>
+          </a:fillRef>
+          <a:effectRef idx="0">
+            <a:schemeClr val="accent1"/>
+          </a:effectRef>
+          <a:fontRef idx="minor">
+            <a:schemeClr val="tx1"/>
+          </a:fontRef>
+        </p:style>
+      </p:cxnSp>
+      <p:sp>
+        <p:nvSpPr>
+          <p:cNvPr id="84" name="Google Shape;207;g2222f62c6e8_0_5"/>
+          <p:cNvSpPr txBox="1"/>
+          <p:nvPr/>
+        </p:nvSpPr>
+        <p:spPr>
+          <a:xfrm>
+            <a:off x="37465" y="1432187"/>
+            <a:ext cx="2437732" cy="261570"/>
+          </a:xfrm>
+          <a:prstGeom prst="rect">
+            <a:avLst/>
+          </a:prstGeom>
+          <a:noFill/>
+          <a:ln>
+            <a:noFill/>
+          </a:ln>
+        </p:spPr>
+        <p:txBody>
+          <a:bodyPr spcFirstLastPara="1" wrap="square" lIns="91425" tIns="45700" rIns="91425" bIns="45700" anchor="t" anchorCtr="0">
+            <a:spAutoFit/>
+          </a:bodyPr>
+          <a:lstStyle/>
+          <a:p>
+            <a:pPr marL="0" marR="0" lvl="0" indent="0" algn="ctr" rtl="0">
+              <a:spcBef>
+                <a:spcPts val="0"/>
+              </a:spcBef>
+              <a:spcAft>
+                <a:spcPts val="0"/>
+              </a:spcAft>
+              <a:buNone/>
+            </a:pPr>
+            <a:r>
+              <a:rPr lang="en-US" sz="1100" b="1" dirty="0" smtClean="0">
+                <a:solidFill>
+                  <a:schemeClr val="dk1"/>
+                </a:solidFill>
+                <a:latin typeface="Palatino Linotype"/>
+                <a:sym typeface="Palatino Linotype"/>
+              </a:rPr>
+              <a:t>PROCESS_CONTINUOSLY</a:t>
+            </a:r>
+            <a:endParaRPr sz="1200" b="1" dirty="0"/>
+          </a:p>
+        </p:txBody>
+      </p:sp>
+      <p:sp>
+        <p:nvSpPr>
+          <p:cNvPr id="88" name="Θέση κειμένου 2"/>
+          <p:cNvSpPr>
+            <a:spLocks noGrp="1"/>
+          </p:cNvSpPr>
+          <p:nvPr>
+            <p:ph type="body" idx="1"/>
+          </p:nvPr>
+        </p:nvSpPr>
+        <p:spPr>
+          <a:xfrm>
+            <a:off x="6555578" y="908831"/>
+            <a:ext cx="3984965" cy="2801366"/>
+          </a:xfrm>
+        </p:spPr>
+        <p:txBody>
+          <a:bodyPr>
+            <a:noAutofit/>
+          </a:bodyPr>
+          <a:lstStyle/>
+          <a:p>
+            <a:pPr>
+              <a:lnSpc>
+                <a:spcPct val="100000"/>
+              </a:lnSpc>
+              <a:buFont typeface="Wingdings" panose="05000000000000000000" pitchFamily="2" charset="2"/>
+              <a:buChar char="§"/>
+            </a:pPr>
+            <a:r>
+              <a:rPr lang="en-US" sz="1200" dirty="0" smtClean="0">
+                <a:solidFill>
+                  <a:schemeClr val="tx1"/>
+                </a:solidFill>
+                <a:latin typeface="Palatino Linotype" panose="02040502050505030304" pitchFamily="18" charset="0"/>
+              </a:rPr>
+              <a:t>Source Operators</a:t>
+            </a:r>
+          </a:p>
+          <a:p>
+            <a:pPr lvl="1">
+              <a:lnSpc>
+                <a:spcPct val="100000"/>
+              </a:lnSpc>
+              <a:buFont typeface="Wingdings" panose="05000000000000000000" pitchFamily="2" charset="2"/>
+              <a:buChar char="§"/>
+            </a:pPr>
+            <a:r>
+              <a:rPr lang="en-US" sz="1000" b="1" dirty="0" err="1" smtClean="0">
+                <a:solidFill>
+                  <a:schemeClr val="tx1"/>
+                </a:solidFill>
+                <a:latin typeface="Palatino Linotype" panose="02040502050505030304" pitchFamily="18" charset="0"/>
+              </a:rPr>
+              <a:t>VisitStreamingApp</a:t>
+            </a:r>
+            <a:r>
+              <a:rPr lang="en-US" sz="1000" b="1" dirty="0" smtClean="0">
+                <a:solidFill>
+                  <a:schemeClr val="tx1"/>
+                </a:solidFill>
+                <a:latin typeface="Palatino Linotype" panose="02040502050505030304" pitchFamily="18" charset="0"/>
+              </a:rPr>
+              <a:t>: </a:t>
+            </a:r>
+            <a:r>
+              <a:rPr lang="en-US" sz="1000" i="1" dirty="0" smtClean="0">
+                <a:solidFill>
+                  <a:schemeClr val="tx1"/>
+                </a:solidFill>
+                <a:latin typeface="Palatino Linotype" panose="02040502050505030304" pitchFamily="18" charset="0"/>
+              </a:rPr>
+              <a:t>PROCESS_CONTINOUSLY</a:t>
+            </a:r>
+            <a:r>
+              <a:rPr lang="en-US" sz="1000" dirty="0" smtClean="0">
+                <a:solidFill>
+                  <a:schemeClr val="tx1"/>
+                </a:solidFill>
+                <a:latin typeface="Palatino Linotype" panose="02040502050505030304" pitchFamily="18" charset="0"/>
+              </a:rPr>
+              <a:t> Mode to continuously fetch new files from S3</a:t>
+            </a:r>
+          </a:p>
+          <a:p>
+            <a:pPr lvl="1">
+              <a:lnSpc>
+                <a:spcPct val="100000"/>
+              </a:lnSpc>
+              <a:buFont typeface="Wingdings" panose="05000000000000000000" pitchFamily="2" charset="2"/>
+              <a:buChar char="§"/>
+            </a:pPr>
+            <a:r>
+              <a:rPr lang="en-US" sz="1000" b="1" dirty="0" err="1" smtClean="0">
+                <a:solidFill>
+                  <a:schemeClr val="tx1"/>
+                </a:solidFill>
+                <a:latin typeface="Palatino Linotype" panose="02040502050505030304" pitchFamily="18" charset="0"/>
+              </a:rPr>
+              <a:t>NetworkStreamingApp</a:t>
+            </a:r>
+            <a:r>
+              <a:rPr lang="en-US" sz="1000" dirty="0" smtClean="0">
+                <a:solidFill>
+                  <a:schemeClr val="tx1"/>
+                </a:solidFill>
+                <a:latin typeface="Palatino Linotype" panose="02040502050505030304" pitchFamily="18" charset="0"/>
+              </a:rPr>
+              <a:t>: Static Data fetch data once from S3</a:t>
+            </a:r>
+          </a:p>
+          <a:p>
+            <a:pPr lvl="1">
+              <a:lnSpc>
+                <a:spcPct val="100000"/>
+              </a:lnSpc>
+              <a:buFont typeface="Wingdings" panose="05000000000000000000" pitchFamily="2" charset="2"/>
+              <a:buChar char="§"/>
+            </a:pPr>
+            <a:endParaRPr lang="en-US" sz="1000" dirty="0" smtClean="0">
+              <a:solidFill>
+                <a:schemeClr val="tx1"/>
+              </a:solidFill>
+              <a:latin typeface="Palatino Linotype" panose="02040502050505030304" pitchFamily="18" charset="0"/>
+            </a:endParaRPr>
+          </a:p>
+          <a:p>
+            <a:pPr>
+              <a:lnSpc>
+                <a:spcPct val="100000"/>
+              </a:lnSpc>
+              <a:buFont typeface="Wingdings" panose="05000000000000000000" pitchFamily="2" charset="2"/>
+              <a:buChar char="§"/>
+            </a:pPr>
+            <a:r>
+              <a:rPr lang="en-US" sz="1200" dirty="0" smtClean="0">
+                <a:solidFill>
+                  <a:schemeClr val="tx1"/>
+                </a:solidFill>
+                <a:latin typeface="Palatino Linotype" panose="02040502050505030304" pitchFamily="18" charset="0"/>
+              </a:rPr>
+              <a:t>Formatting Operators</a:t>
+            </a:r>
+          </a:p>
+          <a:p>
+            <a:pPr lvl="1">
+              <a:lnSpc>
+                <a:spcPct val="100000"/>
+              </a:lnSpc>
+              <a:buFont typeface="Wingdings" panose="05000000000000000000" pitchFamily="2" charset="2"/>
+              <a:buChar char="§"/>
+            </a:pPr>
+            <a:r>
+              <a:rPr lang="en-US" sz="1000" b="1" dirty="0" err="1" smtClean="0">
+                <a:solidFill>
+                  <a:schemeClr val="tx1"/>
+                </a:solidFill>
+                <a:latin typeface="Palatino Linotype" panose="02040502050505030304" pitchFamily="18" charset="0"/>
+              </a:rPr>
+              <a:t>VisitStreamingApp</a:t>
+            </a:r>
+            <a:r>
+              <a:rPr lang="en-US" sz="1000" b="1" dirty="0" smtClean="0">
+                <a:solidFill>
+                  <a:schemeClr val="tx1"/>
+                </a:solidFill>
+                <a:latin typeface="Palatino Linotype" panose="02040502050505030304" pitchFamily="18" charset="0"/>
+              </a:rPr>
+              <a:t>:</a:t>
+            </a:r>
+            <a:r>
+              <a:rPr lang="en-US" sz="1000" dirty="0" smtClean="0">
+                <a:solidFill>
+                  <a:schemeClr val="tx1"/>
+                </a:solidFill>
+                <a:latin typeface="Palatino Linotype" panose="02040502050505030304" pitchFamily="18" charset="0"/>
+              </a:rPr>
+              <a:t> Transform JSONL data and store in table </a:t>
+            </a:r>
+            <a:endParaRPr lang="en-US" sz="1000" dirty="0">
+              <a:solidFill>
+                <a:schemeClr val="tx1"/>
+              </a:solidFill>
+              <a:latin typeface="Palatino Linotype" panose="02040502050505030304" pitchFamily="18" charset="0"/>
+            </a:endParaRPr>
+          </a:p>
+          <a:p>
+            <a:pPr lvl="1">
+              <a:lnSpc>
+                <a:spcPct val="100000"/>
+              </a:lnSpc>
+              <a:buFont typeface="Wingdings" panose="05000000000000000000" pitchFamily="2" charset="2"/>
+              <a:buChar char="§"/>
+            </a:pPr>
+            <a:r>
+              <a:rPr lang="en-US" sz="1000" b="1" dirty="0" err="1" smtClean="0">
+                <a:solidFill>
+                  <a:schemeClr val="tx1"/>
+                </a:solidFill>
+                <a:latin typeface="Palatino Linotype" panose="02040502050505030304" pitchFamily="18" charset="0"/>
+              </a:rPr>
+              <a:t>NetworkStreamingApp</a:t>
+            </a:r>
+            <a:r>
+              <a:rPr lang="en-US" sz="1000" b="1" dirty="0" smtClean="0">
+                <a:solidFill>
+                  <a:schemeClr val="tx1"/>
+                </a:solidFill>
+                <a:latin typeface="Palatino Linotype" panose="02040502050505030304" pitchFamily="18" charset="0"/>
+              </a:rPr>
+              <a:t>: </a:t>
+            </a:r>
+            <a:r>
+              <a:rPr lang="en-US" sz="1000" dirty="0" smtClean="0">
+                <a:solidFill>
+                  <a:schemeClr val="tx1"/>
+                </a:solidFill>
+                <a:latin typeface="Palatino Linotype" panose="02040502050505030304" pitchFamily="18" charset="0"/>
+              </a:rPr>
+              <a:t>Store Node Data in table</a:t>
+            </a:r>
+          </a:p>
+          <a:p>
+            <a:pPr lvl="1">
+              <a:lnSpc>
+                <a:spcPct val="100000"/>
+              </a:lnSpc>
+              <a:buFont typeface="Wingdings" panose="05000000000000000000" pitchFamily="2" charset="2"/>
+              <a:buChar char="§"/>
+            </a:pPr>
+            <a:endParaRPr lang="en-US" sz="1000" dirty="0" smtClean="0">
+              <a:solidFill>
+                <a:schemeClr val="tx1"/>
+              </a:solidFill>
+              <a:latin typeface="Palatino Linotype" panose="02040502050505030304" pitchFamily="18" charset="0"/>
+            </a:endParaRPr>
+          </a:p>
+          <a:p>
+            <a:pPr>
+              <a:lnSpc>
+                <a:spcPct val="100000"/>
+              </a:lnSpc>
+              <a:buFont typeface="Wingdings" panose="05000000000000000000" pitchFamily="2" charset="2"/>
+              <a:buChar char="§"/>
+            </a:pPr>
+            <a:r>
+              <a:rPr lang="en-US" sz="1200" dirty="0" smtClean="0">
+                <a:solidFill>
+                  <a:schemeClr val="tx1"/>
+                </a:solidFill>
+                <a:latin typeface="Palatino Linotype" panose="02040502050505030304" pitchFamily="18" charset="0"/>
+              </a:rPr>
+              <a:t>Sink DB Operators</a:t>
+            </a:r>
+          </a:p>
+          <a:p>
+            <a:pPr lvl="1">
+              <a:lnSpc>
+                <a:spcPct val="100000"/>
+              </a:lnSpc>
+              <a:buFont typeface="Wingdings" panose="05000000000000000000" pitchFamily="2" charset="2"/>
+              <a:buChar char="§"/>
+            </a:pPr>
+            <a:r>
+              <a:rPr lang="en-US" sz="1000" dirty="0" smtClean="0">
+                <a:solidFill>
+                  <a:schemeClr val="tx1"/>
+                </a:solidFill>
+                <a:latin typeface="Palatino Linotype" panose="02040502050505030304" pitchFamily="18" charset="0"/>
+              </a:rPr>
+              <a:t>Sent </a:t>
+            </a:r>
+            <a:r>
+              <a:rPr lang="en-US" sz="1000" dirty="0">
+                <a:solidFill>
+                  <a:schemeClr val="tx1"/>
+                </a:solidFill>
+                <a:latin typeface="Palatino Linotype" panose="02040502050505030304" pitchFamily="18" charset="0"/>
+              </a:rPr>
+              <a:t>batches </a:t>
+            </a:r>
+            <a:r>
+              <a:rPr lang="en-US" sz="1000" dirty="0" smtClean="0">
+                <a:solidFill>
+                  <a:schemeClr val="tx1"/>
+                </a:solidFill>
+                <a:latin typeface="Palatino Linotype" panose="02040502050505030304" pitchFamily="18" charset="0"/>
+              </a:rPr>
+              <a:t>of data to </a:t>
+            </a:r>
+            <a:r>
+              <a:rPr lang="en-US" sz="1000" dirty="0">
+                <a:solidFill>
+                  <a:schemeClr val="tx1"/>
+                </a:solidFill>
+                <a:latin typeface="Palatino Linotype" panose="02040502050505030304" pitchFamily="18" charset="0"/>
+              </a:rPr>
+              <a:t>DB (1) when configured batch interval elapses, (2) max batch size is reached, (3) </a:t>
+            </a:r>
+            <a:r>
+              <a:rPr lang="en-US" sz="1000" dirty="0" err="1">
+                <a:solidFill>
+                  <a:schemeClr val="tx1"/>
+                </a:solidFill>
+                <a:latin typeface="Palatino Linotype" panose="02040502050505030304" pitchFamily="18" charset="0"/>
+              </a:rPr>
+              <a:t>Flink</a:t>
+            </a:r>
+            <a:r>
+              <a:rPr lang="en-US" sz="1000" dirty="0">
+                <a:solidFill>
+                  <a:schemeClr val="tx1"/>
+                </a:solidFill>
+                <a:latin typeface="Palatino Linotype" panose="02040502050505030304" pitchFamily="18" charset="0"/>
+              </a:rPr>
+              <a:t> Checkpoint has </a:t>
+            </a:r>
+            <a:r>
+              <a:rPr lang="en-US" sz="1000" dirty="0" smtClean="0">
+                <a:solidFill>
+                  <a:schemeClr val="tx1"/>
+                </a:solidFill>
+                <a:latin typeface="Palatino Linotype" panose="02040502050505030304" pitchFamily="18" charset="0"/>
+              </a:rPr>
+              <a:t>started</a:t>
+            </a:r>
+            <a:endParaRPr lang="en-US" sz="1000" dirty="0">
+              <a:solidFill>
+                <a:schemeClr val="tx1"/>
+              </a:solidFill>
+              <a:latin typeface="Palatino Linotype" panose="02040502050505030304" pitchFamily="18" charset="0"/>
+            </a:endParaRPr>
+          </a:p>
+        </p:txBody>
+      </p:sp>
+    </p:spTree>
+    <p:extLst>
+      <p:ext uri="{BB962C8B-B14F-4D97-AF65-F5344CB8AC3E}">
+        <p14:creationId xmlns:p14="http://schemas.microsoft.com/office/powerpoint/2010/main" val="3653728214"/>
+      </p:ext>
+    </p:extLst>
+  </p:cSld>
+  <p:clrMapOvr>
+    <a:masterClrMapping/>
+  </p:clrMapOvr>
+  <p:timing>
+    <p:tnLst>
+      <p:par>
+        <p:cTn id="1" dur="indefinite" restart="never" nodeType="tmRoot"/>
+      </p:par>
+    </p:tnLst>
+  </p:timing>
+</p:sld>
+</file>
+
+<file path=ppt/slides/slide5.xml><?xml version="1.0" encoding="utf-8"?>
+<p:sld xmlns:a="http://schemas.openxmlformats.org/drawingml/2006/main" xmlns:r="http://schemas.openxmlformats.org/officeDocument/2006/relationships" xmlns:p="http://schemas.openxmlformats.org/presentationml/2006/main">
+  <p:cSld>
+    <p:spTree>
+      <p:nvGrpSpPr>
+        <p:cNvPr id="1" name=""/>
+        <p:cNvGrpSpPr/>
+        <p:nvPr/>
+      </p:nvGrpSpPr>
+      <p:grpSpPr>
+        <a:xfrm>
+          <a:off x="0" y="0"/>
+          <a:ext cx="0" cy="0"/>
+          <a:chOff x="0" y="0"/>
+          <a:chExt cx="0" cy="0"/>
+        </a:xfrm>
+      </p:grpSpPr>
+      <p:sp>
+        <p:nvSpPr>
+          <p:cNvPr id="2" name="Τίτλος 1"/>
+          <p:cNvSpPr>
+            <a:spLocks noGrp="1"/>
+          </p:cNvSpPr>
+          <p:nvPr>
+            <p:ph type="title"/>
+          </p:nvPr>
+        </p:nvSpPr>
+        <p:spPr/>
+        <p:txBody>
+          <a:bodyPr>
+            <a:normAutofit fontScale="90000"/>
+          </a:bodyPr>
+          <a:lstStyle/>
+          <a:p>
+            <a:r>
+              <a:rPr lang="en-US" dirty="0" smtClean="0">
+                <a:latin typeface="Palatino Linotype" panose="02040502050505030304" pitchFamily="18" charset="0"/>
+              </a:rPr>
+              <a:t>./manage.sh execution script</a:t>
+            </a:r>
+            <a:endParaRPr lang="en-US" dirty="0">
+              <a:latin typeface="Palatino Linotype" panose="02040502050505030304" pitchFamily="18" charset="0"/>
+            </a:endParaRPr>
+          </a:p>
+        </p:txBody>
+      </p:sp>
+      <p:sp>
+        <p:nvSpPr>
+          <p:cNvPr id="3" name="Θέση κειμένου 2"/>
+          <p:cNvSpPr>
+            <a:spLocks noGrp="1"/>
+          </p:cNvSpPr>
+          <p:nvPr>
+            <p:ph type="body" idx="1"/>
+          </p:nvPr>
+        </p:nvSpPr>
+        <p:spPr/>
+        <p:txBody>
+          <a:bodyPr>
+            <a:normAutofit fontScale="85000" lnSpcReduction="20000"/>
+          </a:bodyPr>
+          <a:lstStyle/>
+          <a:p>
+            <a:pPr marL="114300" indent="0">
+              <a:buNone/>
+            </a:pPr>
+            <a:r>
+              <a:rPr lang="en-US" dirty="0" smtClean="0">
+                <a:solidFill>
+                  <a:schemeClr val="tx1"/>
+                </a:solidFill>
+                <a:latin typeface="Palatino Linotype" panose="02040502050505030304" pitchFamily="18" charset="0"/>
+              </a:rPr>
+              <a:t>Execution Modes: </a:t>
+            </a:r>
+            <a:r>
+              <a:rPr lang="en-US" b="1" dirty="0" smtClean="0">
+                <a:solidFill>
+                  <a:schemeClr val="tx1"/>
+                </a:solidFill>
+                <a:latin typeface="Palatino Linotype" panose="02040502050505030304" pitchFamily="18" charset="0"/>
+              </a:rPr>
+              <a:t>install | build | visit | network | stop | kill |</a:t>
+            </a:r>
+          </a:p>
+          <a:p>
+            <a:pPr marL="114300" indent="0">
+              <a:buNone/>
+            </a:pPr>
+            <a:endParaRPr lang="en-US" dirty="0" smtClean="0">
+              <a:solidFill>
+                <a:schemeClr val="tx1"/>
+              </a:solidFill>
+              <a:latin typeface="Palatino Linotype" panose="02040502050505030304" pitchFamily="18" charset="0"/>
+            </a:endParaRPr>
+          </a:p>
+          <a:p>
+            <a:r>
+              <a:rPr lang="en-US" b="1" dirty="0">
+                <a:solidFill>
+                  <a:schemeClr val="tx1"/>
+                </a:solidFill>
+                <a:latin typeface="Palatino Linotype" panose="02040502050505030304" pitchFamily="18" charset="0"/>
+              </a:rPr>
+              <a:t>i</a:t>
+            </a:r>
+            <a:r>
+              <a:rPr lang="en-US" b="1" dirty="0" smtClean="0">
+                <a:solidFill>
+                  <a:schemeClr val="tx1"/>
+                </a:solidFill>
+                <a:latin typeface="Palatino Linotype" panose="02040502050505030304" pitchFamily="18" charset="0"/>
+              </a:rPr>
+              <a:t>nstall</a:t>
+            </a:r>
+            <a:r>
+              <a:rPr lang="en-US" dirty="0" smtClean="0">
+                <a:solidFill>
+                  <a:schemeClr val="tx1"/>
+                </a:solidFill>
+                <a:latin typeface="Palatino Linotype" panose="02040502050505030304" pitchFamily="18" charset="0"/>
+              </a:rPr>
+              <a:t>: Install the necessary software stack </a:t>
+            </a:r>
+          </a:p>
+          <a:p>
+            <a:pPr lvl="1"/>
+            <a:r>
+              <a:rPr lang="en-US" dirty="0" smtClean="0">
+                <a:solidFill>
+                  <a:schemeClr val="tx1"/>
+                </a:solidFill>
+                <a:latin typeface="Palatino Linotype" panose="02040502050505030304" pitchFamily="18" charset="0"/>
+              </a:rPr>
+              <a:t>Utilities (</a:t>
+            </a:r>
+            <a:r>
+              <a:rPr lang="en-US" dirty="0" err="1" smtClean="0">
+                <a:solidFill>
+                  <a:schemeClr val="tx1"/>
+                </a:solidFill>
+                <a:latin typeface="Palatino Linotype" panose="02040502050505030304" pitchFamily="18" charset="0"/>
+              </a:rPr>
+              <a:t>openjdk</a:t>
+            </a:r>
+            <a:r>
+              <a:rPr lang="en-US" dirty="0" smtClean="0">
+                <a:solidFill>
+                  <a:schemeClr val="tx1"/>
+                </a:solidFill>
+                <a:latin typeface="Palatino Linotype" panose="02040502050505030304" pitchFamily="18" charset="0"/>
+              </a:rPr>
+              <a:t>, maven, </a:t>
+            </a:r>
+            <a:r>
+              <a:rPr lang="en-US" dirty="0" err="1" smtClean="0">
+                <a:solidFill>
+                  <a:schemeClr val="tx1"/>
+                </a:solidFill>
+                <a:latin typeface="Palatino Linotype" panose="02040502050505030304" pitchFamily="18" charset="0"/>
+              </a:rPr>
+              <a:t>docker</a:t>
+            </a:r>
+            <a:r>
+              <a:rPr lang="en-US" dirty="0" smtClean="0">
+                <a:solidFill>
+                  <a:schemeClr val="tx1"/>
+                </a:solidFill>
+                <a:latin typeface="Palatino Linotype" panose="02040502050505030304" pitchFamily="18" charset="0"/>
+              </a:rPr>
+              <a:t>, </a:t>
+            </a:r>
+            <a:r>
+              <a:rPr lang="en-US" dirty="0" err="1" smtClean="0">
+                <a:solidFill>
+                  <a:schemeClr val="tx1"/>
+                </a:solidFill>
+                <a:latin typeface="Palatino Linotype" panose="02040502050505030304" pitchFamily="18" charset="0"/>
+              </a:rPr>
+              <a:t>docker</a:t>
+            </a:r>
+            <a:r>
+              <a:rPr lang="en-US" dirty="0" smtClean="0">
+                <a:solidFill>
+                  <a:schemeClr val="tx1"/>
+                </a:solidFill>
+                <a:latin typeface="Palatino Linotype" panose="02040502050505030304" pitchFamily="18" charset="0"/>
+              </a:rPr>
+              <a:t>-compose)</a:t>
+            </a:r>
+          </a:p>
+          <a:p>
+            <a:pPr lvl="1"/>
+            <a:r>
+              <a:rPr lang="en-US" dirty="0" smtClean="0">
+                <a:solidFill>
+                  <a:schemeClr val="tx1"/>
+                </a:solidFill>
+                <a:latin typeface="Palatino Linotype" panose="02040502050505030304" pitchFamily="18" charset="0"/>
+              </a:rPr>
+              <a:t>Apache </a:t>
+            </a:r>
+            <a:r>
+              <a:rPr lang="en-US" dirty="0" err="1" smtClean="0">
+                <a:solidFill>
+                  <a:schemeClr val="tx1"/>
+                </a:solidFill>
+                <a:latin typeface="Palatino Linotype" panose="02040502050505030304" pitchFamily="18" charset="0"/>
+              </a:rPr>
+              <a:t>Flink</a:t>
+            </a:r>
+            <a:r>
+              <a:rPr lang="en-US" dirty="0" smtClean="0">
+                <a:solidFill>
+                  <a:schemeClr val="tx1"/>
+                </a:solidFill>
+                <a:latin typeface="Palatino Linotype" panose="02040502050505030304" pitchFamily="18" charset="0"/>
+              </a:rPr>
+              <a:t> and necessary plugins</a:t>
+            </a:r>
+          </a:p>
+          <a:p>
+            <a:pPr lvl="1"/>
+            <a:r>
+              <a:rPr lang="en-US" dirty="0" smtClean="0">
+                <a:solidFill>
+                  <a:schemeClr val="tx1"/>
+                </a:solidFill>
+                <a:latin typeface="Palatino Linotype" panose="02040502050505030304" pitchFamily="18" charset="0"/>
+              </a:rPr>
+              <a:t>Apache Kafka (not used in the end)</a:t>
+            </a:r>
+          </a:p>
+          <a:p>
+            <a:r>
+              <a:rPr lang="en-US" b="1" dirty="0">
+                <a:solidFill>
+                  <a:schemeClr val="tx1"/>
+                </a:solidFill>
+                <a:latin typeface="Palatino Linotype" panose="02040502050505030304" pitchFamily="18" charset="0"/>
+              </a:rPr>
+              <a:t>b</a:t>
+            </a:r>
+            <a:r>
+              <a:rPr lang="en-US" b="1" dirty="0" smtClean="0">
+                <a:solidFill>
+                  <a:schemeClr val="tx1"/>
+                </a:solidFill>
+                <a:latin typeface="Palatino Linotype" panose="02040502050505030304" pitchFamily="18" charset="0"/>
+              </a:rPr>
+              <a:t>uild</a:t>
+            </a:r>
+            <a:r>
+              <a:rPr lang="en-US" dirty="0" smtClean="0">
+                <a:solidFill>
+                  <a:schemeClr val="tx1"/>
+                </a:solidFill>
+                <a:latin typeface="Palatino Linotype" panose="02040502050505030304" pitchFamily="18" charset="0"/>
+              </a:rPr>
+              <a:t>: Build </a:t>
+            </a:r>
+            <a:r>
+              <a:rPr lang="en-US" dirty="0">
+                <a:solidFill>
+                  <a:schemeClr val="tx1"/>
+                </a:solidFill>
+                <a:latin typeface="Palatino Linotype" panose="02040502050505030304" pitchFamily="18" charset="0"/>
+              </a:rPr>
+              <a:t>both </a:t>
+            </a:r>
+            <a:r>
+              <a:rPr lang="en-US" dirty="0" err="1">
+                <a:solidFill>
+                  <a:schemeClr val="tx1"/>
+                </a:solidFill>
+                <a:latin typeface="Palatino Linotype" panose="02040502050505030304" pitchFamily="18" charset="0"/>
+              </a:rPr>
+              <a:t>VisitStreamingApp</a:t>
+            </a:r>
+            <a:r>
+              <a:rPr lang="en-US" dirty="0">
+                <a:solidFill>
+                  <a:schemeClr val="tx1"/>
+                </a:solidFill>
+                <a:latin typeface="Palatino Linotype" panose="02040502050505030304" pitchFamily="18" charset="0"/>
+              </a:rPr>
+              <a:t> and </a:t>
+            </a:r>
+            <a:r>
+              <a:rPr lang="en-US" dirty="0" err="1" smtClean="0">
+                <a:solidFill>
+                  <a:schemeClr val="tx1"/>
+                </a:solidFill>
+                <a:latin typeface="Palatino Linotype" panose="02040502050505030304" pitchFamily="18" charset="0"/>
+              </a:rPr>
+              <a:t>NetworkStreamingApp</a:t>
+            </a:r>
+            <a:endParaRPr lang="en-US" dirty="0" smtClean="0">
+              <a:solidFill>
+                <a:schemeClr val="tx1"/>
+              </a:solidFill>
+              <a:latin typeface="Palatino Linotype" panose="02040502050505030304" pitchFamily="18" charset="0"/>
+            </a:endParaRPr>
+          </a:p>
+          <a:p>
+            <a:r>
+              <a:rPr lang="en-US" b="1" dirty="0">
+                <a:solidFill>
+                  <a:schemeClr val="tx1"/>
+                </a:solidFill>
+                <a:latin typeface="Palatino Linotype" panose="02040502050505030304" pitchFamily="18" charset="0"/>
+              </a:rPr>
+              <a:t>v</a:t>
+            </a:r>
+            <a:r>
+              <a:rPr lang="en-US" b="1" dirty="0" smtClean="0">
+                <a:solidFill>
+                  <a:schemeClr val="tx1"/>
+                </a:solidFill>
+                <a:latin typeface="Palatino Linotype" panose="02040502050505030304" pitchFamily="18" charset="0"/>
+              </a:rPr>
+              <a:t>isit</a:t>
+            </a:r>
+            <a:r>
+              <a:rPr lang="en-US" dirty="0" smtClean="0">
+                <a:solidFill>
+                  <a:schemeClr val="tx1"/>
+                </a:solidFill>
+                <a:latin typeface="Palatino Linotype" panose="02040502050505030304" pitchFamily="18" charset="0"/>
+              </a:rPr>
+              <a:t>: Executes </a:t>
+            </a:r>
+            <a:r>
+              <a:rPr lang="en-US" dirty="0" err="1" smtClean="0">
+                <a:solidFill>
+                  <a:schemeClr val="tx1"/>
+                </a:solidFill>
+                <a:latin typeface="Palatino Linotype" panose="02040502050505030304" pitchFamily="18" charset="0"/>
+              </a:rPr>
+              <a:t>VisitStreamingApp</a:t>
+            </a:r>
+            <a:r>
+              <a:rPr lang="en-US" dirty="0" smtClean="0">
+                <a:solidFill>
+                  <a:schemeClr val="tx1"/>
+                </a:solidFill>
+                <a:latin typeface="Palatino Linotype" panose="02040502050505030304" pitchFamily="18" charset="0"/>
+              </a:rPr>
+              <a:t> in </a:t>
+            </a:r>
+            <a:r>
+              <a:rPr lang="en-US" dirty="0" err="1" smtClean="0">
+                <a:solidFill>
+                  <a:schemeClr val="tx1"/>
+                </a:solidFill>
+                <a:latin typeface="Palatino Linotype" panose="02040502050505030304" pitchFamily="18" charset="0"/>
+              </a:rPr>
+              <a:t>Flink</a:t>
+            </a:r>
+            <a:r>
+              <a:rPr lang="en-US" dirty="0" smtClean="0">
+                <a:solidFill>
+                  <a:schemeClr val="tx1"/>
+                </a:solidFill>
+                <a:latin typeface="Palatino Linotype" panose="02040502050505030304" pitchFamily="18" charset="0"/>
+              </a:rPr>
+              <a:t> Cluster</a:t>
+            </a:r>
+          </a:p>
+          <a:p>
+            <a:r>
+              <a:rPr lang="en-US" b="1" dirty="0">
+                <a:solidFill>
+                  <a:schemeClr val="tx1"/>
+                </a:solidFill>
+                <a:latin typeface="Palatino Linotype" panose="02040502050505030304" pitchFamily="18" charset="0"/>
+              </a:rPr>
+              <a:t>n</a:t>
+            </a:r>
+            <a:r>
+              <a:rPr lang="en-US" b="1" dirty="0" smtClean="0">
+                <a:solidFill>
+                  <a:schemeClr val="tx1"/>
+                </a:solidFill>
+                <a:latin typeface="Palatino Linotype" panose="02040502050505030304" pitchFamily="18" charset="0"/>
+              </a:rPr>
+              <a:t>etwork</a:t>
+            </a:r>
+            <a:r>
+              <a:rPr lang="en-US" dirty="0" smtClean="0">
+                <a:solidFill>
+                  <a:schemeClr val="tx1"/>
+                </a:solidFill>
+                <a:latin typeface="Palatino Linotype" panose="02040502050505030304" pitchFamily="18" charset="0"/>
+              </a:rPr>
+              <a:t>: Executes </a:t>
+            </a:r>
+            <a:r>
+              <a:rPr lang="en-US" dirty="0" err="1" smtClean="0">
+                <a:solidFill>
+                  <a:schemeClr val="tx1"/>
+                </a:solidFill>
+                <a:latin typeface="Palatino Linotype" panose="02040502050505030304" pitchFamily="18" charset="0"/>
+              </a:rPr>
+              <a:t>NetworkStreamingApp</a:t>
+            </a:r>
+            <a:r>
+              <a:rPr lang="en-US" dirty="0" smtClean="0">
+                <a:solidFill>
+                  <a:schemeClr val="tx1"/>
+                </a:solidFill>
+                <a:latin typeface="Palatino Linotype" panose="02040502050505030304" pitchFamily="18" charset="0"/>
+              </a:rPr>
+              <a:t> in </a:t>
+            </a:r>
+            <a:r>
+              <a:rPr lang="en-US" dirty="0" err="1" smtClean="0">
+                <a:solidFill>
+                  <a:schemeClr val="tx1"/>
+                </a:solidFill>
+                <a:latin typeface="Palatino Linotype" panose="02040502050505030304" pitchFamily="18" charset="0"/>
+              </a:rPr>
+              <a:t>Flink</a:t>
+            </a:r>
+            <a:r>
+              <a:rPr lang="en-US" dirty="0" smtClean="0">
+                <a:solidFill>
+                  <a:schemeClr val="tx1"/>
+                </a:solidFill>
+                <a:latin typeface="Palatino Linotype" panose="02040502050505030304" pitchFamily="18" charset="0"/>
+              </a:rPr>
+              <a:t> Cluster</a:t>
+            </a:r>
+          </a:p>
+          <a:p>
+            <a:r>
+              <a:rPr lang="en-US" b="1" dirty="0">
+                <a:solidFill>
+                  <a:schemeClr val="tx1"/>
+                </a:solidFill>
+                <a:latin typeface="Palatino Linotype" panose="02040502050505030304" pitchFamily="18" charset="0"/>
+              </a:rPr>
+              <a:t>s</a:t>
+            </a:r>
+            <a:r>
+              <a:rPr lang="en-US" b="1" dirty="0" smtClean="0">
+                <a:solidFill>
+                  <a:schemeClr val="tx1"/>
+                </a:solidFill>
+                <a:latin typeface="Palatino Linotype" panose="02040502050505030304" pitchFamily="18" charset="0"/>
+              </a:rPr>
+              <a:t>top</a:t>
+            </a:r>
+            <a:r>
+              <a:rPr lang="en-US" dirty="0" smtClean="0">
+                <a:solidFill>
+                  <a:schemeClr val="tx1"/>
+                </a:solidFill>
+                <a:latin typeface="Palatino Linotype" panose="02040502050505030304" pitchFamily="18" charset="0"/>
+              </a:rPr>
+              <a:t>: Stops Apache </a:t>
+            </a:r>
+            <a:r>
+              <a:rPr lang="en-US" dirty="0" err="1" smtClean="0">
+                <a:solidFill>
+                  <a:schemeClr val="tx1"/>
+                </a:solidFill>
+                <a:latin typeface="Palatino Linotype" panose="02040502050505030304" pitchFamily="18" charset="0"/>
+              </a:rPr>
+              <a:t>Flink</a:t>
+            </a:r>
+            <a:r>
+              <a:rPr lang="en-US" dirty="0" smtClean="0">
+                <a:solidFill>
+                  <a:schemeClr val="tx1"/>
+                </a:solidFill>
+                <a:latin typeface="Palatino Linotype" panose="02040502050505030304" pitchFamily="18" charset="0"/>
+              </a:rPr>
+              <a:t> Cluster and clean /</a:t>
+            </a:r>
+            <a:r>
+              <a:rPr lang="en-US" dirty="0" err="1" smtClean="0">
+                <a:solidFill>
+                  <a:schemeClr val="tx1"/>
+                </a:solidFill>
+                <a:latin typeface="Palatino Linotype" panose="02040502050505030304" pitchFamily="18" charset="0"/>
+              </a:rPr>
+              <a:t>tmp</a:t>
+            </a:r>
+            <a:r>
+              <a:rPr lang="en-US" dirty="0" smtClean="0">
+                <a:solidFill>
+                  <a:schemeClr val="tx1"/>
+                </a:solidFill>
+                <a:latin typeface="Palatino Linotype" panose="02040502050505030304" pitchFamily="18" charset="0"/>
+              </a:rPr>
+              <a:t> data</a:t>
+            </a:r>
+          </a:p>
+          <a:p>
+            <a:r>
+              <a:rPr lang="en-US" b="1" dirty="0" smtClean="0">
+                <a:solidFill>
+                  <a:schemeClr val="tx1"/>
+                </a:solidFill>
+                <a:latin typeface="Palatino Linotype" panose="02040502050505030304" pitchFamily="18" charset="0"/>
+              </a:rPr>
+              <a:t>kill</a:t>
+            </a:r>
+            <a:r>
+              <a:rPr lang="en-US" dirty="0" smtClean="0">
+                <a:solidFill>
+                  <a:schemeClr val="tx1"/>
+                </a:solidFill>
+                <a:latin typeface="Palatino Linotype" panose="02040502050505030304" pitchFamily="18" charset="0"/>
+              </a:rPr>
+              <a:t>: Terminate all services and clea</a:t>
+            </a:r>
+            <a:r>
+              <a:rPr lang="en-US" dirty="0" smtClean="0">
+                <a:solidFill>
+                  <a:schemeClr val="tx1"/>
+                </a:solidFill>
+                <a:latin typeface="Palatino Linotype" panose="02040502050505030304" pitchFamily="18" charset="0"/>
+              </a:rPr>
+              <a:t>n all data (including </a:t>
+            </a:r>
+            <a:r>
+              <a:rPr lang="en-US" dirty="0" err="1" smtClean="0">
+                <a:solidFill>
+                  <a:schemeClr val="tx1"/>
+                </a:solidFill>
+                <a:latin typeface="Palatino Linotype" panose="02040502050505030304" pitchFamily="18" charset="0"/>
+              </a:rPr>
+              <a:t>docker</a:t>
+            </a:r>
+            <a:r>
+              <a:rPr lang="en-US" dirty="0" smtClean="0">
+                <a:solidFill>
+                  <a:schemeClr val="tx1"/>
+                </a:solidFill>
+                <a:latin typeface="Palatino Linotype" panose="02040502050505030304" pitchFamily="18" charset="0"/>
+              </a:rPr>
+              <a:t> service)</a:t>
+            </a:r>
+            <a:endParaRPr lang="en-US" dirty="0">
+              <a:solidFill>
+                <a:schemeClr val="tx1"/>
+              </a:solidFill>
+              <a:latin typeface="Palatino Linotype" panose="02040502050505030304" pitchFamily="18" charset="0"/>
+            </a:endParaRPr>
+          </a:p>
+        </p:txBody>
+      </p:sp>
+    </p:spTree>
+    <p:extLst>
+      <p:ext uri="{BB962C8B-B14F-4D97-AF65-F5344CB8AC3E}">
+        <p14:creationId xmlns:p14="http://schemas.microsoft.com/office/powerpoint/2010/main" val="2187120457"/>
+      </p:ext>
+    </p:extLst>
+  </p:cSld>
+  <p:clrMapOvr>
+    <a:masterClrMapping/>
+  </p:clrMapOvr>
+  <p:timing>
+    <p:tnLst>
+      <p:par>
+        <p:cTn id="1" dur="indefinite" restart="never" nodeType="tmRoot"/>
+      </p:par>
+    </p:tnLst>
+  </p:timing>
+</p:sld>
+</file>
+
+<file path=ppt/slides/slide6.xml><?xml version="1.0" encoding="utf-8"?>
+<p:sld xmlns:a="http://schemas.openxmlformats.org/drawingml/2006/main" xmlns:r="http://schemas.openxmlformats.org/officeDocument/2006/relationships" xmlns:p="http://schemas.openxmlformats.org/presentationml/2006/main">
+  <p:cSld>
+    <p:spTree>
+      <p:nvGrpSpPr>
+        <p:cNvPr id="1" name=""/>
+        <p:cNvGrpSpPr/>
+        <p:nvPr/>
+      </p:nvGrpSpPr>
+      <p:grpSpPr>
+        <a:xfrm>
+          <a:off x="0" y="0"/>
+          <a:ext cx="0" cy="0"/>
+          <a:chOff x="0" y="0"/>
+          <a:chExt cx="0" cy="0"/>
+        </a:xfrm>
+      </p:grpSpPr>
+      <p:sp>
+        <p:nvSpPr>
+          <p:cNvPr id="2" name="Τίτλος 1"/>
+          <p:cNvSpPr>
+            <a:spLocks noGrp="1"/>
+          </p:cNvSpPr>
+          <p:nvPr>
+            <p:ph type="title"/>
+          </p:nvPr>
+        </p:nvSpPr>
+        <p:spPr>
+          <a:xfrm>
+            <a:off x="4454819" y="1792400"/>
+            <a:ext cx="1395965" cy="439800"/>
+          </a:xfrm>
+        </p:spPr>
+        <p:txBody>
+          <a:bodyPr>
+            <a:normAutofit fontScale="90000"/>
+          </a:bodyPr>
+          <a:lstStyle/>
+          <a:p>
+            <a:r>
+              <a:rPr lang="en-US" dirty="0" smtClean="0">
+                <a:latin typeface="Palatino Linotype" panose="02040502050505030304" pitchFamily="18" charset="0"/>
+              </a:rPr>
+              <a:t>DEMO</a:t>
+            </a:r>
+            <a:endParaRPr lang="en-US" dirty="0">
+              <a:latin typeface="Palatino Linotype" panose="02040502050505030304" pitchFamily="18" charset="0"/>
+            </a:endParaRPr>
+          </a:p>
+        </p:txBody>
+      </p:sp>
+    </p:spTree>
+    <p:extLst>
+      <p:ext uri="{BB962C8B-B14F-4D97-AF65-F5344CB8AC3E}">
+        <p14:creationId xmlns:p14="http://schemas.microsoft.com/office/powerpoint/2010/main" val="4196086347"/>
+      </p:ext>
+    </p:extLst>
+  </p:cSld>
+  <p:clrMapOvr>
+    <a:masterClrMapping/>
+  </p:clrMapOvr>
+  <p:timing>
+    <p:tnLst>
+      <p:par>
+        <p:cTn id="1" dur="indefinite" restart="never" nodeType="tmRoot"/>
+      </p:par>
+    </p:tnLst>
+  </p:timing>
+</p:sld>
+</file>
+
+<file path=ppt/slides/slide7.xml><?xml version="1.0" encoding="utf-8"?>
+<p:sld xmlns:a="http://schemas.openxmlformats.org/drawingml/2006/main" xmlns:r="http://schemas.openxmlformats.org/officeDocument/2006/relationships" xmlns:p="http://schemas.openxmlformats.org/presentationml/2006/main">
+  <p:cSld>
+    <p:spTree>
+      <p:nvGrpSpPr>
+        <p:cNvPr id="1" name=""/>
+        <p:cNvGrpSpPr/>
+        <p:nvPr/>
+      </p:nvGrpSpPr>
+      <p:grpSpPr>
+        <a:xfrm>
+          <a:off x="0" y="0"/>
+          <a:ext cx="0" cy="0"/>
+          <a:chOff x="0" y="0"/>
+          <a:chExt cx="0" cy="0"/>
+        </a:xfrm>
+      </p:grpSpPr>
+      <p:sp>
+        <p:nvSpPr>
+          <p:cNvPr id="2" name="Τίτλος 1"/>
+          <p:cNvSpPr>
+            <a:spLocks noGrp="1"/>
+          </p:cNvSpPr>
+          <p:nvPr>
+            <p:ph type="title"/>
+          </p:nvPr>
+        </p:nvSpPr>
+        <p:spPr/>
+        <p:txBody>
+          <a:bodyPr>
+            <a:normAutofit fontScale="90000"/>
+          </a:bodyPr>
+          <a:lstStyle/>
+          <a:p>
+            <a:r>
+              <a:rPr lang="en-US" dirty="0" smtClean="0">
+                <a:latin typeface="Palatino Linotype" panose="02040502050505030304" pitchFamily="18" charset="0"/>
+              </a:rPr>
+              <a:t>Improvements #1: Data modelling</a:t>
+            </a:r>
+            <a:endParaRPr lang="en-US" dirty="0">
+              <a:latin typeface="Palatino Linotype" panose="02040502050505030304" pitchFamily="18" charset="0"/>
+            </a:endParaRPr>
+          </a:p>
+        </p:txBody>
+      </p:sp>
+      <p:grpSp>
+        <p:nvGrpSpPr>
+          <p:cNvPr id="14" name="Ομάδα 13"/>
+          <p:cNvGrpSpPr/>
+          <p:nvPr/>
+        </p:nvGrpSpPr>
+        <p:grpSpPr>
+          <a:xfrm>
+            <a:off x="4275114" y="940164"/>
+            <a:ext cx="1692549" cy="1858037"/>
+            <a:chOff x="3863855" y="1100031"/>
+            <a:chExt cx="1533167" cy="1675712"/>
+          </a:xfrm>
+        </p:grpSpPr>
+        <p:sp>
+          <p:nvSpPr>
+            <p:cNvPr id="7" name="Ορθογώνιο 6"/>
+            <p:cNvSpPr/>
+            <p:nvPr/>
+          </p:nvSpPr>
+          <p:spPr>
+            <a:xfrm>
+              <a:off x="3863855" y="1100031"/>
+              <a:ext cx="1533167" cy="1675712"/>
+            </a:xfrm>
+            <a:prstGeom prst="rect">
+              <a:avLst/>
+            </a:prstGeom>
+            <a:noFill/>
+            <a:ln w="12700">
+              <a:solidFill>
+                <a:schemeClr val="tx1"/>
+              </a:solidFill>
+            </a:ln>
+          </p:spPr>
+          <p:style>
+            <a:lnRef idx="2">
+              <a:schemeClr val="accent1">
+                <a:shade val="50000"/>
+              </a:schemeClr>
+            </a:lnRef>
+            <a:fillRef idx="1">
+              <a:schemeClr val="accent1"/>
+            </a:fillRef>
+            <a:effectRef idx="0">
+              <a:schemeClr val="accent1"/>
+            </a:effectRef>
+            <a:fontRef idx="minor">
+              <a:schemeClr val="lt1"/>
+            </a:fontRef>
+          </p:style>
+          <p:txBody>
+            <a:bodyPr rtlCol="0" anchor="ctr"/>
+            <a:lstStyle/>
+            <a:p>
+              <a:pPr algn="ctr"/>
+              <a:endParaRPr lang="en-US">
+                <a:latin typeface="Palatino Linotype" panose="02040502050505030304" pitchFamily="18" charset="0"/>
+              </a:endParaRPr>
+            </a:p>
+          </p:txBody>
+        </p:sp>
+        <p:cxnSp>
+          <p:nvCxnSpPr>
+            <p:cNvPr id="9" name="Ευθεία γραμμή σύνδεσης 8"/>
+            <p:cNvCxnSpPr/>
+            <p:nvPr/>
+          </p:nvCxnSpPr>
+          <p:spPr>
+            <a:xfrm>
+              <a:off x="3863856" y="1375214"/>
+              <a:ext cx="1533166" cy="0"/>
+            </a:xfrm>
+            <a:prstGeom prst="line">
+              <a:avLst/>
+            </a:prstGeom>
+            <a:ln>
+              <a:solidFill>
+                <a:schemeClr val="tx1"/>
+              </a:solidFill>
+            </a:ln>
+          </p:spPr>
+          <p:style>
+            <a:lnRef idx="1">
+              <a:schemeClr val="accent1"/>
+            </a:lnRef>
+            <a:fillRef idx="0">
+              <a:schemeClr val="accent1"/>
+            </a:fillRef>
+            <a:effectRef idx="0">
+              <a:schemeClr val="accent1"/>
+            </a:effectRef>
+            <a:fontRef idx="minor">
+              <a:schemeClr val="tx1"/>
+            </a:fontRef>
+          </p:style>
+        </p:cxnSp>
+      </p:grpSp>
+      <p:sp>
+        <p:nvSpPr>
+          <p:cNvPr id="11" name="TextBox 10"/>
+          <p:cNvSpPr txBox="1"/>
+          <p:nvPr/>
+        </p:nvSpPr>
+        <p:spPr>
+          <a:xfrm>
+            <a:off x="4823870" y="966551"/>
+            <a:ext cx="595035" cy="276999"/>
+          </a:xfrm>
+          <a:prstGeom prst="rect">
+            <a:avLst/>
+          </a:prstGeom>
+          <a:noFill/>
+        </p:spPr>
+        <p:txBody>
+          <a:bodyPr wrap="none" rtlCol="0">
+            <a:spAutoFit/>
+          </a:bodyPr>
+          <a:lstStyle/>
+          <a:p>
+            <a:r>
+              <a:rPr lang="en-US" sz="1200" b="1" dirty="0" smtClean="0">
+                <a:latin typeface="Palatino Linotype" panose="02040502050505030304" pitchFamily="18" charset="0"/>
+              </a:rPr>
+              <a:t>Visits</a:t>
+            </a:r>
+            <a:endParaRPr lang="en-US" sz="1100" b="1" dirty="0">
+              <a:latin typeface="Palatino Linotype" panose="02040502050505030304" pitchFamily="18" charset="0"/>
+            </a:endParaRPr>
+          </a:p>
+        </p:txBody>
+      </p:sp>
+      <p:sp>
+        <p:nvSpPr>
+          <p:cNvPr id="12" name="TextBox 11"/>
+          <p:cNvSpPr txBox="1"/>
+          <p:nvPr/>
+        </p:nvSpPr>
+        <p:spPr>
+          <a:xfrm>
+            <a:off x="4275115" y="1277048"/>
+            <a:ext cx="1692548" cy="1477328"/>
+          </a:xfrm>
+          <a:prstGeom prst="rect">
+            <a:avLst/>
+          </a:prstGeom>
+          <a:noFill/>
+        </p:spPr>
+        <p:txBody>
+          <a:bodyPr wrap="square" rtlCol="0">
+            <a:spAutoFit/>
+          </a:bodyPr>
+          <a:lstStyle/>
+          <a:p>
+            <a:pPr marL="171450" indent="-171450">
+              <a:buFont typeface="Wingdings" panose="05000000000000000000" pitchFamily="2" charset="2"/>
+              <a:buChar char="§"/>
+            </a:pPr>
+            <a:r>
+              <a:rPr lang="en-US" sz="1000" dirty="0" err="1">
+                <a:latin typeface="Palatino Linotype" panose="02040502050505030304" pitchFamily="18" charset="0"/>
+              </a:rPr>
+              <a:t>visit_id</a:t>
+            </a:r>
+            <a:r>
+              <a:rPr lang="en-US" sz="1000" dirty="0">
+                <a:latin typeface="Palatino Linotype" panose="02040502050505030304" pitchFamily="18" charset="0"/>
+              </a:rPr>
+              <a:t> (PK</a:t>
+            </a:r>
+            <a:r>
+              <a:rPr lang="en-US" sz="1000" dirty="0" smtClean="0">
+                <a:latin typeface="Palatino Linotype" panose="02040502050505030304" pitchFamily="18" charset="0"/>
+              </a:rPr>
+              <a:t>)</a:t>
+            </a:r>
+          </a:p>
+          <a:p>
+            <a:pPr marL="171450" indent="-171450">
+              <a:buFont typeface="Wingdings" panose="05000000000000000000" pitchFamily="2" charset="2"/>
+              <a:buChar char="§"/>
+            </a:pPr>
+            <a:r>
+              <a:rPr lang="en-US" sz="1000" dirty="0" err="1">
+                <a:latin typeface="Palatino Linotype" panose="02040502050505030304" pitchFamily="18" charset="0"/>
+              </a:rPr>
+              <a:t>task_id</a:t>
+            </a:r>
+            <a:r>
+              <a:rPr lang="en-US" sz="1000" dirty="0">
+                <a:latin typeface="Palatino Linotype" panose="02040502050505030304" pitchFamily="18" charset="0"/>
+              </a:rPr>
+              <a:t> (FK</a:t>
+            </a:r>
+            <a:r>
+              <a:rPr lang="en-US" sz="1000" dirty="0" smtClean="0">
+                <a:latin typeface="Palatino Linotype" panose="02040502050505030304" pitchFamily="18" charset="0"/>
+              </a:rPr>
+              <a:t>)</a:t>
+            </a:r>
+          </a:p>
+          <a:p>
+            <a:pPr marL="171450" indent="-171450">
+              <a:buFont typeface="Wingdings" panose="05000000000000000000" pitchFamily="2" charset="2"/>
+              <a:buChar char="§"/>
+            </a:pPr>
+            <a:r>
+              <a:rPr lang="en-US" sz="1000" dirty="0" err="1">
+                <a:latin typeface="Palatino Linotype" panose="02040502050505030304" pitchFamily="18" charset="0"/>
+              </a:rPr>
+              <a:t>node_id</a:t>
+            </a:r>
+            <a:r>
+              <a:rPr lang="en-US" sz="1000" dirty="0">
+                <a:latin typeface="Palatino Linotype" panose="02040502050505030304" pitchFamily="18" charset="0"/>
+              </a:rPr>
+              <a:t> (FK</a:t>
+            </a:r>
+            <a:r>
+              <a:rPr lang="en-US" sz="1000" dirty="0" smtClean="0">
+                <a:latin typeface="Palatino Linotype" panose="02040502050505030304" pitchFamily="18" charset="0"/>
+              </a:rPr>
+              <a:t>)</a:t>
+            </a:r>
+          </a:p>
+          <a:p>
+            <a:pPr marL="171450" indent="-171450">
+              <a:buFont typeface="Wingdings" panose="05000000000000000000" pitchFamily="2" charset="2"/>
+              <a:buChar char="§"/>
+            </a:pPr>
+            <a:r>
+              <a:rPr lang="en-US" sz="1000" dirty="0" err="1" smtClean="0">
+                <a:latin typeface="Palatino Linotype" panose="02040502050505030304" pitchFamily="18" charset="0"/>
+              </a:rPr>
+              <a:t>visit_number</a:t>
+            </a:r>
+            <a:endParaRPr lang="en-US" sz="1000" dirty="0" smtClean="0">
+              <a:latin typeface="Palatino Linotype" panose="02040502050505030304" pitchFamily="18" charset="0"/>
+            </a:endParaRPr>
+          </a:p>
+          <a:p>
+            <a:pPr marL="171450" indent="-171450">
+              <a:buFont typeface="Wingdings" panose="05000000000000000000" pitchFamily="2" charset="2"/>
+              <a:buChar char="§"/>
+            </a:pPr>
+            <a:r>
+              <a:rPr lang="en-US" sz="1000" dirty="0" err="1" smtClean="0">
+                <a:latin typeface="Palatino Linotype" panose="02040502050505030304" pitchFamily="18" charset="0"/>
+              </a:rPr>
+              <a:t>visit_date</a:t>
+            </a:r>
+            <a:endParaRPr lang="en-US" sz="1000" dirty="0" smtClean="0">
+              <a:latin typeface="Palatino Linotype" panose="02040502050505030304" pitchFamily="18" charset="0"/>
+            </a:endParaRPr>
+          </a:p>
+          <a:p>
+            <a:pPr marL="171450" indent="-171450">
+              <a:buFont typeface="Wingdings" panose="05000000000000000000" pitchFamily="2" charset="2"/>
+              <a:buChar char="§"/>
+            </a:pPr>
+            <a:r>
+              <a:rPr lang="en-US" sz="1000" dirty="0" err="1" smtClean="0">
+                <a:latin typeface="Palatino Linotype" panose="02040502050505030304" pitchFamily="18" charset="0"/>
+              </a:rPr>
+              <a:t>original_reported_date</a:t>
+            </a:r>
+            <a:endParaRPr lang="en-US" sz="1000" dirty="0" smtClean="0">
+              <a:latin typeface="Palatino Linotype" panose="02040502050505030304" pitchFamily="18" charset="0"/>
+            </a:endParaRPr>
+          </a:p>
+          <a:p>
+            <a:pPr marL="171450" indent="-171450">
+              <a:buFont typeface="Wingdings" panose="05000000000000000000" pitchFamily="2" charset="2"/>
+              <a:buChar char="§"/>
+            </a:pPr>
+            <a:r>
+              <a:rPr lang="en-US" sz="1000" dirty="0" err="1">
+                <a:latin typeface="Palatino Linotype" panose="02040502050505030304" pitchFamily="18" charset="0"/>
+              </a:rPr>
+              <a:t>engineer_id</a:t>
+            </a:r>
+            <a:r>
+              <a:rPr lang="en-US" sz="1000" dirty="0">
+                <a:latin typeface="Palatino Linotype" panose="02040502050505030304" pitchFamily="18" charset="0"/>
+              </a:rPr>
+              <a:t> (FK</a:t>
+            </a:r>
+            <a:r>
+              <a:rPr lang="en-US" sz="1000" dirty="0" smtClean="0">
+                <a:latin typeface="Palatino Linotype" panose="02040502050505030304" pitchFamily="18" charset="0"/>
+              </a:rPr>
+              <a:t>)</a:t>
+            </a:r>
+          </a:p>
+          <a:p>
+            <a:pPr marL="171450" indent="-171450">
+              <a:buFont typeface="Wingdings" panose="05000000000000000000" pitchFamily="2" charset="2"/>
+              <a:buChar char="§"/>
+            </a:pPr>
+            <a:r>
+              <a:rPr lang="en-US" sz="1000" dirty="0" err="1" smtClean="0">
+                <a:latin typeface="Palatino Linotype" panose="02040502050505030304" pitchFamily="18" charset="0"/>
+              </a:rPr>
+              <a:t>engineer_skill_level</a:t>
+            </a:r>
+            <a:endParaRPr lang="en-US" sz="1000" dirty="0" smtClean="0">
+              <a:latin typeface="Palatino Linotype" panose="02040502050505030304" pitchFamily="18" charset="0"/>
+            </a:endParaRPr>
+          </a:p>
+          <a:p>
+            <a:pPr marL="171450" indent="-171450">
+              <a:buFont typeface="Wingdings" panose="05000000000000000000" pitchFamily="2" charset="2"/>
+              <a:buChar char="§"/>
+            </a:pPr>
+            <a:r>
+              <a:rPr lang="en-US" sz="1000" dirty="0">
+                <a:latin typeface="Palatino Linotype" panose="02040502050505030304" pitchFamily="18" charset="0"/>
+              </a:rPr>
+              <a:t>outcome</a:t>
+            </a:r>
+          </a:p>
+        </p:txBody>
+      </p:sp>
+      <p:sp>
+        <p:nvSpPr>
+          <p:cNvPr id="21" name="Ορθογώνιο 20"/>
+          <p:cNvSpPr/>
+          <p:nvPr/>
+        </p:nvSpPr>
+        <p:spPr>
+          <a:xfrm>
+            <a:off x="7722597" y="1993541"/>
+            <a:ext cx="1220205" cy="963822"/>
+          </a:xfrm>
+          <a:prstGeom prst="rect">
+            <a:avLst/>
+          </a:prstGeom>
+          <a:noFill/>
+          <a:ln w="12700">
+            <a:solidFill>
+              <a:schemeClr val="tx1"/>
+            </a:solidFill>
+          </a:ln>
+        </p:spPr>
+        <p:style>
+          <a:lnRef idx="2">
+            <a:schemeClr val="accent1">
+              <a:shade val="50000"/>
+            </a:schemeClr>
+          </a:lnRef>
+          <a:fillRef idx="1">
+            <a:schemeClr val="accent1"/>
+          </a:fillRef>
+          <a:effectRef idx="0">
+            <a:schemeClr val="accent1"/>
+          </a:effectRef>
+          <a:fontRef idx="minor">
+            <a:schemeClr val="lt1"/>
+          </a:fontRef>
+        </p:style>
+        <p:txBody>
+          <a:bodyPr rtlCol="0" anchor="ctr"/>
+          <a:lstStyle/>
+          <a:p>
+            <a:pPr algn="ctr"/>
+            <a:endParaRPr lang="en-US">
+              <a:latin typeface="Palatino Linotype" panose="02040502050505030304" pitchFamily="18" charset="0"/>
+            </a:endParaRPr>
+          </a:p>
+        </p:txBody>
+      </p:sp>
+      <p:cxnSp>
+        <p:nvCxnSpPr>
+          <p:cNvPr id="22" name="Ευθεία γραμμή σύνδεσης 21"/>
+          <p:cNvCxnSpPr/>
+          <p:nvPr/>
+        </p:nvCxnSpPr>
+        <p:spPr>
+          <a:xfrm>
+            <a:off x="7722598" y="2313270"/>
+            <a:ext cx="1220204" cy="4700"/>
+          </a:xfrm>
+          <a:prstGeom prst="line">
+            <a:avLst/>
+          </a:prstGeom>
+          <a:ln>
+            <a:solidFill>
+              <a:schemeClr val="tx1"/>
+            </a:solidFill>
+          </a:ln>
+        </p:spPr>
+        <p:style>
+          <a:lnRef idx="1">
+            <a:schemeClr val="accent1"/>
+          </a:lnRef>
+          <a:fillRef idx="0">
+            <a:schemeClr val="accent1"/>
+          </a:fillRef>
+          <a:effectRef idx="0">
+            <a:schemeClr val="accent1"/>
+          </a:effectRef>
+          <a:fontRef idx="minor">
+            <a:schemeClr val="tx1"/>
+          </a:fontRef>
+        </p:style>
+      </p:cxnSp>
+      <p:sp>
+        <p:nvSpPr>
+          <p:cNvPr id="23" name="TextBox 22"/>
+          <p:cNvSpPr txBox="1"/>
+          <p:nvPr/>
+        </p:nvSpPr>
+        <p:spPr>
+          <a:xfrm>
+            <a:off x="7772660" y="2016990"/>
+            <a:ext cx="1220206" cy="261610"/>
+          </a:xfrm>
+          <a:prstGeom prst="rect">
+            <a:avLst/>
+          </a:prstGeom>
+          <a:noFill/>
+        </p:spPr>
+        <p:txBody>
+          <a:bodyPr wrap="none" rtlCol="0">
+            <a:spAutoFit/>
+          </a:bodyPr>
+          <a:lstStyle/>
+          <a:p>
+            <a:r>
+              <a:rPr lang="en-US" sz="1100" b="1" dirty="0" err="1" smtClean="0">
+                <a:latin typeface="Palatino Linotype" panose="02040502050505030304" pitchFamily="18" charset="0"/>
+              </a:rPr>
+              <a:t>EngineerNotes</a:t>
+            </a:r>
+            <a:r>
+              <a:rPr lang="en-US" sz="1100" b="1" dirty="0" smtClean="0">
+                <a:latin typeface="Palatino Linotype" panose="02040502050505030304" pitchFamily="18" charset="0"/>
+              </a:rPr>
+              <a:t> </a:t>
+            </a:r>
+            <a:endParaRPr lang="en-US" sz="1100" b="1" dirty="0">
+              <a:latin typeface="Palatino Linotype" panose="02040502050505030304" pitchFamily="18" charset="0"/>
+            </a:endParaRPr>
+          </a:p>
+        </p:txBody>
+      </p:sp>
+      <p:sp>
+        <p:nvSpPr>
+          <p:cNvPr id="24" name="TextBox 23"/>
+          <p:cNvSpPr txBox="1"/>
+          <p:nvPr/>
+        </p:nvSpPr>
+        <p:spPr>
+          <a:xfrm>
+            <a:off x="7722596" y="2383783"/>
+            <a:ext cx="1220206" cy="507831"/>
+          </a:xfrm>
+          <a:prstGeom prst="rect">
+            <a:avLst/>
+          </a:prstGeom>
+          <a:noFill/>
+        </p:spPr>
+        <p:txBody>
+          <a:bodyPr wrap="square" rtlCol="0">
+            <a:spAutoFit/>
+          </a:bodyPr>
+          <a:lstStyle/>
+          <a:p>
+            <a:pPr marL="171450" indent="-171450">
+              <a:buFont typeface="Wingdings" panose="05000000000000000000" pitchFamily="2" charset="2"/>
+              <a:buChar char="§"/>
+            </a:pPr>
+            <a:r>
+              <a:rPr lang="en-US" sz="900" dirty="0" err="1">
+                <a:latin typeface="Palatino Linotype" panose="02040502050505030304" pitchFamily="18" charset="0"/>
+              </a:rPr>
+              <a:t>note_id</a:t>
+            </a:r>
+            <a:r>
+              <a:rPr lang="en-US" sz="900" dirty="0">
+                <a:latin typeface="Palatino Linotype" panose="02040502050505030304" pitchFamily="18" charset="0"/>
+              </a:rPr>
+              <a:t> (</a:t>
+            </a:r>
+            <a:r>
+              <a:rPr lang="en-US" sz="900" dirty="0" smtClean="0">
+                <a:latin typeface="Palatino Linotype" panose="02040502050505030304" pitchFamily="18" charset="0"/>
+              </a:rPr>
+              <a:t>PK)</a:t>
+            </a:r>
+          </a:p>
+          <a:p>
+            <a:pPr marL="171450" indent="-171450">
+              <a:buFont typeface="Wingdings" panose="05000000000000000000" pitchFamily="2" charset="2"/>
+              <a:buChar char="§"/>
+            </a:pPr>
+            <a:r>
+              <a:rPr lang="en-US" sz="900" dirty="0" err="1">
+                <a:latin typeface="Palatino Linotype" panose="02040502050505030304" pitchFamily="18" charset="0"/>
+              </a:rPr>
+              <a:t>visit_id</a:t>
+            </a:r>
+            <a:r>
+              <a:rPr lang="en-US" sz="900" dirty="0">
+                <a:latin typeface="Palatino Linotype" panose="02040502050505030304" pitchFamily="18" charset="0"/>
+              </a:rPr>
+              <a:t> (FK</a:t>
+            </a:r>
+            <a:r>
+              <a:rPr lang="en-US" sz="900" dirty="0" smtClean="0">
+                <a:latin typeface="Palatino Linotype" panose="02040502050505030304" pitchFamily="18" charset="0"/>
+              </a:rPr>
+              <a:t>)</a:t>
+            </a:r>
+          </a:p>
+          <a:p>
+            <a:pPr marL="171450" indent="-171450">
+              <a:buFont typeface="Wingdings" panose="05000000000000000000" pitchFamily="2" charset="2"/>
+              <a:buChar char="§"/>
+            </a:pPr>
+            <a:r>
+              <a:rPr lang="en-US" sz="900" dirty="0" err="1">
+                <a:latin typeface="Palatino Linotype" panose="02040502050505030304" pitchFamily="18" charset="0"/>
+              </a:rPr>
+              <a:t>n</a:t>
+            </a:r>
+            <a:r>
+              <a:rPr lang="en-US" sz="900" dirty="0" err="1" smtClean="0">
+                <a:latin typeface="Palatino Linotype" panose="02040502050505030304" pitchFamily="18" charset="0"/>
+              </a:rPr>
+              <a:t>ote_taken</a:t>
+            </a:r>
+            <a:endParaRPr lang="en-US" sz="900" dirty="0">
+              <a:latin typeface="Palatino Linotype" panose="02040502050505030304" pitchFamily="18" charset="0"/>
+            </a:endParaRPr>
+          </a:p>
+        </p:txBody>
+      </p:sp>
+      <p:sp>
+        <p:nvSpPr>
+          <p:cNvPr id="28" name="Ορθογώνιο 27"/>
+          <p:cNvSpPr/>
+          <p:nvPr/>
+        </p:nvSpPr>
+        <p:spPr>
+          <a:xfrm>
+            <a:off x="6124510" y="2957363"/>
+            <a:ext cx="1220205" cy="832774"/>
+          </a:xfrm>
+          <a:prstGeom prst="rect">
+            <a:avLst/>
+          </a:prstGeom>
+          <a:noFill/>
+          <a:ln w="12700">
+            <a:solidFill>
+              <a:schemeClr val="tx1"/>
+            </a:solidFill>
+          </a:ln>
+        </p:spPr>
+        <p:style>
+          <a:lnRef idx="2">
+            <a:schemeClr val="accent1">
+              <a:shade val="50000"/>
+            </a:schemeClr>
+          </a:lnRef>
+          <a:fillRef idx="1">
+            <a:schemeClr val="accent1"/>
+          </a:fillRef>
+          <a:effectRef idx="0">
+            <a:schemeClr val="accent1"/>
+          </a:effectRef>
+          <a:fontRef idx="minor">
+            <a:schemeClr val="lt1"/>
+          </a:fontRef>
+        </p:style>
+        <p:txBody>
+          <a:bodyPr rtlCol="0" anchor="ctr"/>
+          <a:lstStyle/>
+          <a:p>
+            <a:pPr algn="ctr"/>
+            <a:endParaRPr lang="en-US">
+              <a:latin typeface="Palatino Linotype" panose="02040502050505030304" pitchFamily="18" charset="0"/>
+            </a:endParaRPr>
+          </a:p>
+        </p:txBody>
+      </p:sp>
+      <p:cxnSp>
+        <p:nvCxnSpPr>
+          <p:cNvPr id="29" name="Ευθεία γραμμή σύνδεσης 28"/>
+          <p:cNvCxnSpPr/>
+          <p:nvPr/>
+        </p:nvCxnSpPr>
+        <p:spPr>
+          <a:xfrm>
+            <a:off x="6124511" y="3277092"/>
+            <a:ext cx="1220204" cy="4700"/>
+          </a:xfrm>
+          <a:prstGeom prst="line">
+            <a:avLst/>
+          </a:prstGeom>
+          <a:ln>
+            <a:solidFill>
+              <a:schemeClr val="tx1"/>
+            </a:solidFill>
+          </a:ln>
+        </p:spPr>
+        <p:style>
+          <a:lnRef idx="1">
+            <a:schemeClr val="accent1"/>
+          </a:lnRef>
+          <a:fillRef idx="0">
+            <a:schemeClr val="accent1"/>
+          </a:fillRef>
+          <a:effectRef idx="0">
+            <a:schemeClr val="accent1"/>
+          </a:effectRef>
+          <a:fontRef idx="minor">
+            <a:schemeClr val="tx1"/>
+          </a:fontRef>
+        </p:style>
+      </p:cxnSp>
+      <p:sp>
+        <p:nvSpPr>
+          <p:cNvPr id="30" name="TextBox 29"/>
+          <p:cNvSpPr txBox="1"/>
+          <p:nvPr/>
+        </p:nvSpPr>
+        <p:spPr>
+          <a:xfrm>
+            <a:off x="6408882" y="2982576"/>
+            <a:ext cx="596638" cy="261610"/>
+          </a:xfrm>
+          <a:prstGeom prst="rect">
+            <a:avLst/>
+          </a:prstGeom>
+          <a:noFill/>
+        </p:spPr>
+        <p:txBody>
+          <a:bodyPr wrap="none" rtlCol="0">
+            <a:spAutoFit/>
+          </a:bodyPr>
+          <a:lstStyle/>
+          <a:p>
+            <a:r>
+              <a:rPr lang="en-US" sz="1100" b="1" dirty="0" smtClean="0">
+                <a:latin typeface="Palatino Linotype" panose="02040502050505030304" pitchFamily="18" charset="0"/>
+              </a:rPr>
+              <a:t>Tasks </a:t>
+            </a:r>
+            <a:endParaRPr lang="en-US" sz="1100" b="1" dirty="0">
+              <a:latin typeface="Palatino Linotype" panose="02040502050505030304" pitchFamily="18" charset="0"/>
+            </a:endParaRPr>
+          </a:p>
+        </p:txBody>
+      </p:sp>
+      <p:sp>
+        <p:nvSpPr>
+          <p:cNvPr id="31" name="TextBox 30"/>
+          <p:cNvSpPr txBox="1"/>
+          <p:nvPr/>
+        </p:nvSpPr>
+        <p:spPr>
+          <a:xfrm>
+            <a:off x="6124509" y="3347605"/>
+            <a:ext cx="1220206" cy="369332"/>
+          </a:xfrm>
+          <a:prstGeom prst="rect">
+            <a:avLst/>
+          </a:prstGeom>
+          <a:noFill/>
+        </p:spPr>
+        <p:txBody>
+          <a:bodyPr wrap="square" rtlCol="0">
+            <a:spAutoFit/>
+          </a:bodyPr>
+          <a:lstStyle/>
+          <a:p>
+            <a:pPr marL="171450" indent="-171450">
+              <a:buFont typeface="Wingdings" panose="05000000000000000000" pitchFamily="2" charset="2"/>
+              <a:buChar char="§"/>
+            </a:pPr>
+            <a:r>
+              <a:rPr lang="en-US" sz="900" dirty="0" err="1">
+                <a:latin typeface="Palatino Linotype" panose="02040502050505030304" pitchFamily="18" charset="0"/>
+              </a:rPr>
+              <a:t>task_id</a:t>
+            </a:r>
+            <a:r>
+              <a:rPr lang="en-US" sz="900" dirty="0">
+                <a:latin typeface="Palatino Linotype" panose="02040502050505030304" pitchFamily="18" charset="0"/>
+              </a:rPr>
+              <a:t> (PK</a:t>
+            </a:r>
+            <a:r>
+              <a:rPr lang="en-US" sz="900" dirty="0" smtClean="0">
+                <a:latin typeface="Palatino Linotype" panose="02040502050505030304" pitchFamily="18" charset="0"/>
+              </a:rPr>
+              <a:t>)</a:t>
+            </a:r>
+          </a:p>
+          <a:p>
+            <a:pPr marL="171450" indent="-171450">
+              <a:buFont typeface="Wingdings" panose="05000000000000000000" pitchFamily="2" charset="2"/>
+              <a:buChar char="§"/>
+            </a:pPr>
+            <a:r>
+              <a:rPr lang="en-US" sz="900" dirty="0" err="1">
+                <a:latin typeface="Palatino Linotype" panose="02040502050505030304" pitchFamily="18" charset="0"/>
+              </a:rPr>
+              <a:t>task_type</a:t>
+            </a:r>
+            <a:endParaRPr lang="en-US" sz="900" dirty="0">
+              <a:latin typeface="Palatino Linotype" panose="02040502050505030304" pitchFamily="18" charset="0"/>
+            </a:endParaRPr>
+          </a:p>
+        </p:txBody>
+      </p:sp>
+      <p:sp>
+        <p:nvSpPr>
+          <p:cNvPr id="32" name="Ορθογώνιο 31"/>
+          <p:cNvSpPr/>
+          <p:nvPr/>
+        </p:nvSpPr>
+        <p:spPr>
+          <a:xfrm>
+            <a:off x="1835946" y="1458292"/>
+            <a:ext cx="1220205" cy="962256"/>
+          </a:xfrm>
+          <a:prstGeom prst="rect">
+            <a:avLst/>
+          </a:prstGeom>
+          <a:noFill/>
+          <a:ln w="12700">
+            <a:solidFill>
+              <a:schemeClr val="tx1"/>
+            </a:solidFill>
+          </a:ln>
+        </p:spPr>
+        <p:style>
+          <a:lnRef idx="2">
+            <a:schemeClr val="accent1">
+              <a:shade val="50000"/>
+            </a:schemeClr>
+          </a:lnRef>
+          <a:fillRef idx="1">
+            <a:schemeClr val="accent1"/>
+          </a:fillRef>
+          <a:effectRef idx="0">
+            <a:schemeClr val="accent1"/>
+          </a:effectRef>
+          <a:fontRef idx="minor">
+            <a:schemeClr val="lt1"/>
+          </a:fontRef>
+        </p:style>
+        <p:txBody>
+          <a:bodyPr rtlCol="0" anchor="ctr"/>
+          <a:lstStyle/>
+          <a:p>
+            <a:pPr algn="ctr"/>
+            <a:endParaRPr lang="en-US">
+              <a:latin typeface="Palatino Linotype" panose="02040502050505030304" pitchFamily="18" charset="0"/>
+            </a:endParaRPr>
+          </a:p>
+        </p:txBody>
+      </p:sp>
+      <p:cxnSp>
+        <p:nvCxnSpPr>
+          <p:cNvPr id="33" name="Ευθεία γραμμή σύνδεσης 32"/>
+          <p:cNvCxnSpPr/>
+          <p:nvPr/>
+        </p:nvCxnSpPr>
+        <p:spPr>
+          <a:xfrm>
+            <a:off x="1835947" y="1778021"/>
+            <a:ext cx="1220204" cy="4700"/>
+          </a:xfrm>
+          <a:prstGeom prst="line">
+            <a:avLst/>
+          </a:prstGeom>
+          <a:ln>
+            <a:solidFill>
+              <a:schemeClr val="tx1"/>
+            </a:solidFill>
+          </a:ln>
+        </p:spPr>
+        <p:style>
+          <a:lnRef idx="1">
+            <a:schemeClr val="accent1"/>
+          </a:lnRef>
+          <a:fillRef idx="0">
+            <a:schemeClr val="accent1"/>
+          </a:fillRef>
+          <a:effectRef idx="0">
+            <a:schemeClr val="accent1"/>
+          </a:effectRef>
+          <a:fontRef idx="minor">
+            <a:schemeClr val="tx1"/>
+          </a:fontRef>
+        </p:style>
+      </p:cxnSp>
+      <p:sp>
+        <p:nvSpPr>
+          <p:cNvPr id="34" name="TextBox 33"/>
+          <p:cNvSpPr txBox="1"/>
+          <p:nvPr/>
+        </p:nvSpPr>
+        <p:spPr>
+          <a:xfrm>
+            <a:off x="2120318" y="1483505"/>
+            <a:ext cx="655949" cy="261610"/>
+          </a:xfrm>
+          <a:prstGeom prst="rect">
+            <a:avLst/>
+          </a:prstGeom>
+          <a:noFill/>
+        </p:spPr>
+        <p:txBody>
+          <a:bodyPr wrap="none" rtlCol="0">
+            <a:spAutoFit/>
+          </a:bodyPr>
+          <a:lstStyle/>
+          <a:p>
+            <a:r>
+              <a:rPr lang="en-US" sz="1100" b="1" dirty="0" smtClean="0">
+                <a:latin typeface="Palatino Linotype" panose="02040502050505030304" pitchFamily="18" charset="0"/>
+              </a:rPr>
+              <a:t>Nodes </a:t>
+            </a:r>
+            <a:endParaRPr lang="en-US" sz="1100" b="1" dirty="0">
+              <a:latin typeface="Palatino Linotype" panose="02040502050505030304" pitchFamily="18" charset="0"/>
+            </a:endParaRPr>
+          </a:p>
+        </p:txBody>
+      </p:sp>
+      <p:sp>
+        <p:nvSpPr>
+          <p:cNvPr id="35" name="TextBox 34"/>
+          <p:cNvSpPr txBox="1"/>
+          <p:nvPr/>
+        </p:nvSpPr>
+        <p:spPr>
+          <a:xfrm>
+            <a:off x="1835945" y="1848534"/>
+            <a:ext cx="1220206" cy="507831"/>
+          </a:xfrm>
+          <a:prstGeom prst="rect">
+            <a:avLst/>
+          </a:prstGeom>
+          <a:noFill/>
+        </p:spPr>
+        <p:txBody>
+          <a:bodyPr wrap="square" rtlCol="0">
+            <a:spAutoFit/>
+          </a:bodyPr>
+          <a:lstStyle/>
+          <a:p>
+            <a:pPr marL="171450" indent="-171450">
+              <a:buFont typeface="Wingdings" panose="05000000000000000000" pitchFamily="2" charset="2"/>
+              <a:buChar char="§"/>
+            </a:pPr>
+            <a:r>
+              <a:rPr lang="en-US" sz="900" dirty="0" err="1">
+                <a:latin typeface="Palatino Linotype" panose="02040502050505030304" pitchFamily="18" charset="0"/>
+              </a:rPr>
+              <a:t>node_id</a:t>
+            </a:r>
+            <a:r>
+              <a:rPr lang="en-US" sz="900" dirty="0">
+                <a:latin typeface="Palatino Linotype" panose="02040502050505030304" pitchFamily="18" charset="0"/>
+              </a:rPr>
+              <a:t> (PK</a:t>
+            </a:r>
+            <a:r>
+              <a:rPr lang="en-US" sz="900" dirty="0" smtClean="0">
+                <a:latin typeface="Palatino Linotype" panose="02040502050505030304" pitchFamily="18" charset="0"/>
+              </a:rPr>
+              <a:t>)</a:t>
+            </a:r>
+          </a:p>
+          <a:p>
+            <a:pPr marL="171450" indent="-171450">
+              <a:buFont typeface="Wingdings" panose="05000000000000000000" pitchFamily="2" charset="2"/>
+              <a:buChar char="§"/>
+            </a:pPr>
+            <a:r>
+              <a:rPr lang="en-US" sz="900" dirty="0" err="1" smtClean="0">
+                <a:latin typeface="Palatino Linotype" panose="02040502050505030304" pitchFamily="18" charset="0"/>
+              </a:rPr>
+              <a:t>node_age</a:t>
+            </a:r>
+            <a:endParaRPr lang="en-US" sz="900" dirty="0" smtClean="0">
+              <a:latin typeface="Palatino Linotype" panose="02040502050505030304" pitchFamily="18" charset="0"/>
+            </a:endParaRPr>
+          </a:p>
+          <a:p>
+            <a:pPr marL="171450" indent="-171450">
+              <a:buFont typeface="Wingdings" panose="05000000000000000000" pitchFamily="2" charset="2"/>
+              <a:buChar char="§"/>
+            </a:pPr>
+            <a:r>
+              <a:rPr lang="en-US" sz="900" dirty="0" err="1">
+                <a:latin typeface="Palatino Linotype" panose="02040502050505030304" pitchFamily="18" charset="0"/>
+              </a:rPr>
+              <a:t>node_type</a:t>
+            </a:r>
+            <a:endParaRPr lang="en-US" sz="900" dirty="0">
+              <a:latin typeface="Palatino Linotype" panose="02040502050505030304" pitchFamily="18" charset="0"/>
+            </a:endParaRPr>
+          </a:p>
+        </p:txBody>
+      </p:sp>
+      <p:sp>
+        <p:nvSpPr>
+          <p:cNvPr id="36" name="Ορθογώνιο 35"/>
+          <p:cNvSpPr/>
+          <p:nvPr/>
+        </p:nvSpPr>
+        <p:spPr>
+          <a:xfrm>
+            <a:off x="1021166" y="2957363"/>
+            <a:ext cx="1220205" cy="832774"/>
+          </a:xfrm>
+          <a:prstGeom prst="rect">
+            <a:avLst/>
+          </a:prstGeom>
+          <a:noFill/>
+          <a:ln w="12700">
+            <a:solidFill>
+              <a:schemeClr val="tx1"/>
+            </a:solidFill>
+          </a:ln>
+        </p:spPr>
+        <p:style>
+          <a:lnRef idx="2">
+            <a:schemeClr val="accent1">
+              <a:shade val="50000"/>
+            </a:schemeClr>
+          </a:lnRef>
+          <a:fillRef idx="1">
+            <a:schemeClr val="accent1"/>
+          </a:fillRef>
+          <a:effectRef idx="0">
+            <a:schemeClr val="accent1"/>
+          </a:effectRef>
+          <a:fontRef idx="minor">
+            <a:schemeClr val="lt1"/>
+          </a:fontRef>
+        </p:style>
+        <p:txBody>
+          <a:bodyPr rtlCol="0" anchor="ctr"/>
+          <a:lstStyle/>
+          <a:p>
+            <a:pPr algn="ctr"/>
+            <a:endParaRPr lang="en-US">
+              <a:latin typeface="Palatino Linotype" panose="02040502050505030304" pitchFamily="18" charset="0"/>
+            </a:endParaRPr>
+          </a:p>
+        </p:txBody>
+      </p:sp>
+      <p:cxnSp>
+        <p:nvCxnSpPr>
+          <p:cNvPr id="37" name="Ευθεία γραμμή σύνδεσης 36"/>
+          <p:cNvCxnSpPr/>
+          <p:nvPr/>
+        </p:nvCxnSpPr>
+        <p:spPr>
+          <a:xfrm>
+            <a:off x="1021167" y="3277092"/>
+            <a:ext cx="1220204" cy="4700"/>
+          </a:xfrm>
+          <a:prstGeom prst="line">
+            <a:avLst/>
+          </a:prstGeom>
+          <a:ln>
+            <a:solidFill>
+              <a:schemeClr val="tx1"/>
+            </a:solidFill>
+          </a:ln>
+        </p:spPr>
+        <p:style>
+          <a:lnRef idx="1">
+            <a:schemeClr val="accent1"/>
+          </a:lnRef>
+          <a:fillRef idx="0">
+            <a:schemeClr val="accent1"/>
+          </a:fillRef>
+          <a:effectRef idx="0">
+            <a:schemeClr val="accent1"/>
+          </a:effectRef>
+          <a:fontRef idx="minor">
+            <a:schemeClr val="tx1"/>
+          </a:fontRef>
+        </p:style>
+      </p:cxnSp>
+      <p:sp>
+        <p:nvSpPr>
+          <p:cNvPr id="38" name="TextBox 37"/>
+          <p:cNvSpPr txBox="1"/>
+          <p:nvPr/>
+        </p:nvSpPr>
+        <p:spPr>
+          <a:xfrm>
+            <a:off x="1243661" y="2986423"/>
+            <a:ext cx="790601" cy="261610"/>
+          </a:xfrm>
+          <a:prstGeom prst="rect">
+            <a:avLst/>
+          </a:prstGeom>
+          <a:noFill/>
+        </p:spPr>
+        <p:txBody>
+          <a:bodyPr wrap="none" rtlCol="0">
+            <a:spAutoFit/>
+          </a:bodyPr>
+          <a:lstStyle/>
+          <a:p>
+            <a:r>
+              <a:rPr lang="en-US" sz="1100" b="1" dirty="0" smtClean="0">
+                <a:latin typeface="Palatino Linotype" panose="02040502050505030304" pitchFamily="18" charset="0"/>
+              </a:rPr>
+              <a:t>Network </a:t>
+            </a:r>
+            <a:endParaRPr lang="en-US" sz="1100" b="1" dirty="0">
+              <a:latin typeface="Palatino Linotype" panose="02040502050505030304" pitchFamily="18" charset="0"/>
+            </a:endParaRPr>
+          </a:p>
+        </p:txBody>
+      </p:sp>
+      <p:sp>
+        <p:nvSpPr>
+          <p:cNvPr id="39" name="TextBox 38"/>
+          <p:cNvSpPr txBox="1"/>
+          <p:nvPr/>
+        </p:nvSpPr>
+        <p:spPr>
+          <a:xfrm>
+            <a:off x="1021165" y="3347605"/>
+            <a:ext cx="1220206" cy="369332"/>
+          </a:xfrm>
+          <a:prstGeom prst="rect">
+            <a:avLst/>
+          </a:prstGeom>
+          <a:noFill/>
+        </p:spPr>
+        <p:txBody>
+          <a:bodyPr wrap="square" rtlCol="0">
+            <a:spAutoFit/>
+          </a:bodyPr>
+          <a:lstStyle/>
+          <a:p>
+            <a:pPr marL="171450" indent="-171450">
+              <a:buFont typeface="Wingdings" panose="05000000000000000000" pitchFamily="2" charset="2"/>
+              <a:buChar char="§"/>
+            </a:pPr>
+            <a:r>
+              <a:rPr lang="en-US" sz="900" dirty="0" err="1" smtClean="0">
+                <a:latin typeface="Palatino Linotype" panose="02040502050505030304" pitchFamily="18" charset="0"/>
+              </a:rPr>
+              <a:t>node_id</a:t>
+            </a:r>
+            <a:endParaRPr lang="en-US" sz="900" dirty="0" smtClean="0">
+              <a:latin typeface="Palatino Linotype" panose="02040502050505030304" pitchFamily="18" charset="0"/>
+            </a:endParaRPr>
+          </a:p>
+          <a:p>
+            <a:pPr marL="171450" indent="-171450">
+              <a:buFont typeface="Wingdings" panose="05000000000000000000" pitchFamily="2" charset="2"/>
+              <a:buChar char="§"/>
+            </a:pPr>
+            <a:r>
+              <a:rPr lang="en-US" sz="900" dirty="0" err="1" smtClean="0">
+                <a:latin typeface="Palatino Linotype" panose="02040502050505030304" pitchFamily="18" charset="0"/>
+              </a:rPr>
+              <a:t>Adj_node</a:t>
+            </a:r>
+            <a:endParaRPr lang="en-US" sz="900" dirty="0">
+              <a:latin typeface="Palatino Linotype" panose="02040502050505030304" pitchFamily="18" charset="0"/>
+            </a:endParaRPr>
+          </a:p>
+        </p:txBody>
+      </p:sp>
+      <p:sp>
+        <p:nvSpPr>
+          <p:cNvPr id="40" name="Ορθογώνιο 39"/>
+          <p:cNvSpPr/>
+          <p:nvPr/>
+        </p:nvSpPr>
+        <p:spPr>
+          <a:xfrm>
+            <a:off x="6829883" y="959627"/>
+            <a:ext cx="1341868" cy="785488"/>
+          </a:xfrm>
+          <a:prstGeom prst="rect">
+            <a:avLst/>
+          </a:prstGeom>
+          <a:noFill/>
+          <a:ln w="12700">
+            <a:solidFill>
+              <a:schemeClr val="tx1"/>
+            </a:solidFill>
+          </a:ln>
+        </p:spPr>
+        <p:style>
+          <a:lnRef idx="2">
+            <a:schemeClr val="accent1">
+              <a:shade val="50000"/>
+            </a:schemeClr>
+          </a:lnRef>
+          <a:fillRef idx="1">
+            <a:schemeClr val="accent1"/>
+          </a:fillRef>
+          <a:effectRef idx="0">
+            <a:schemeClr val="accent1"/>
+          </a:effectRef>
+          <a:fontRef idx="minor">
+            <a:schemeClr val="lt1"/>
+          </a:fontRef>
+        </p:style>
+        <p:txBody>
+          <a:bodyPr rtlCol="0" anchor="ctr"/>
+          <a:lstStyle/>
+          <a:p>
+            <a:pPr algn="ctr"/>
+            <a:endParaRPr lang="en-US">
+              <a:latin typeface="Palatino Linotype" panose="02040502050505030304" pitchFamily="18" charset="0"/>
+            </a:endParaRPr>
+          </a:p>
+        </p:txBody>
+      </p:sp>
+      <p:cxnSp>
+        <p:nvCxnSpPr>
+          <p:cNvPr id="41" name="Ευθεία γραμμή σύνδεσης 40"/>
+          <p:cNvCxnSpPr/>
+          <p:nvPr/>
+        </p:nvCxnSpPr>
+        <p:spPr>
+          <a:xfrm flipV="1">
+            <a:off x="6829884" y="1271246"/>
+            <a:ext cx="1341867" cy="8111"/>
+          </a:xfrm>
+          <a:prstGeom prst="line">
+            <a:avLst/>
+          </a:prstGeom>
+          <a:ln>
+            <a:solidFill>
+              <a:schemeClr val="tx1"/>
+            </a:solidFill>
+          </a:ln>
+        </p:spPr>
+        <p:style>
+          <a:lnRef idx="1">
+            <a:schemeClr val="accent1"/>
+          </a:lnRef>
+          <a:fillRef idx="0">
+            <a:schemeClr val="accent1"/>
+          </a:fillRef>
+          <a:effectRef idx="0">
+            <a:schemeClr val="accent1"/>
+          </a:effectRef>
+          <a:fontRef idx="minor">
+            <a:schemeClr val="tx1"/>
+          </a:fontRef>
+        </p:style>
+      </p:cxnSp>
+      <p:sp>
+        <p:nvSpPr>
+          <p:cNvPr id="42" name="TextBox 41"/>
+          <p:cNvSpPr txBox="1"/>
+          <p:nvPr/>
+        </p:nvSpPr>
+        <p:spPr>
+          <a:xfrm>
+            <a:off x="7047808" y="989952"/>
+            <a:ext cx="861133" cy="261610"/>
+          </a:xfrm>
+          <a:prstGeom prst="rect">
+            <a:avLst/>
+          </a:prstGeom>
+          <a:noFill/>
+        </p:spPr>
+        <p:txBody>
+          <a:bodyPr wrap="none" rtlCol="0">
+            <a:spAutoFit/>
+          </a:bodyPr>
+          <a:lstStyle/>
+          <a:p>
+            <a:r>
+              <a:rPr lang="en-US" sz="1100" b="1" dirty="0" smtClean="0">
+                <a:latin typeface="Palatino Linotype" panose="02040502050505030304" pitchFamily="18" charset="0"/>
+              </a:rPr>
+              <a:t>Engineers </a:t>
+            </a:r>
+            <a:endParaRPr lang="en-US" sz="1100" b="1" dirty="0">
+              <a:latin typeface="Palatino Linotype" panose="02040502050505030304" pitchFamily="18" charset="0"/>
+            </a:endParaRPr>
+          </a:p>
+        </p:txBody>
+      </p:sp>
+      <p:sp>
+        <p:nvSpPr>
+          <p:cNvPr id="43" name="TextBox 42"/>
+          <p:cNvSpPr txBox="1"/>
+          <p:nvPr/>
+        </p:nvSpPr>
+        <p:spPr>
+          <a:xfrm>
+            <a:off x="6808346" y="1318726"/>
+            <a:ext cx="1363405" cy="369332"/>
+          </a:xfrm>
+          <a:prstGeom prst="rect">
+            <a:avLst/>
+          </a:prstGeom>
+          <a:noFill/>
+        </p:spPr>
+        <p:txBody>
+          <a:bodyPr wrap="square" rtlCol="0">
+            <a:spAutoFit/>
+          </a:bodyPr>
+          <a:lstStyle/>
+          <a:p>
+            <a:pPr marL="171450" indent="-171450">
+              <a:buFont typeface="Wingdings" panose="05000000000000000000" pitchFamily="2" charset="2"/>
+              <a:buChar char="§"/>
+            </a:pPr>
+            <a:r>
+              <a:rPr lang="en-US" sz="900" dirty="0" err="1">
+                <a:latin typeface="Palatino Linotype" panose="02040502050505030304" pitchFamily="18" charset="0"/>
+              </a:rPr>
+              <a:t>engineer_id</a:t>
+            </a:r>
+            <a:r>
+              <a:rPr lang="en-US" sz="900" dirty="0">
+                <a:latin typeface="Palatino Linotype" panose="02040502050505030304" pitchFamily="18" charset="0"/>
+              </a:rPr>
+              <a:t> (PK</a:t>
+            </a:r>
+            <a:r>
+              <a:rPr lang="en-US" sz="900" dirty="0" smtClean="0">
+                <a:latin typeface="Palatino Linotype" panose="02040502050505030304" pitchFamily="18" charset="0"/>
+              </a:rPr>
+              <a:t>)</a:t>
+            </a:r>
+          </a:p>
+          <a:p>
+            <a:pPr marL="171450" indent="-171450">
+              <a:buFont typeface="Wingdings" panose="05000000000000000000" pitchFamily="2" charset="2"/>
+              <a:buChar char="§"/>
+            </a:pPr>
+            <a:r>
+              <a:rPr lang="en-US" sz="900" dirty="0" err="1">
+                <a:latin typeface="Palatino Linotype" panose="02040502050505030304" pitchFamily="18" charset="0"/>
+              </a:rPr>
+              <a:t>engineer_skill_level</a:t>
+            </a:r>
+            <a:endParaRPr lang="en-US" sz="900" dirty="0">
+              <a:latin typeface="Palatino Linotype" panose="02040502050505030304" pitchFamily="18" charset="0"/>
+            </a:endParaRPr>
+          </a:p>
+        </p:txBody>
+      </p:sp>
+      <p:cxnSp>
+        <p:nvCxnSpPr>
+          <p:cNvPr id="50" name="Ευθεία γραμμή σύνδεσης 49"/>
+          <p:cNvCxnSpPr>
+            <a:endCxn id="35" idx="3"/>
+          </p:cNvCxnSpPr>
+          <p:nvPr/>
+        </p:nvCxnSpPr>
+        <p:spPr>
+          <a:xfrm flipH="1">
+            <a:off x="3056151" y="1848534"/>
+            <a:ext cx="1218962" cy="253916"/>
+          </a:xfrm>
+          <a:prstGeom prst="line">
+            <a:avLst/>
+          </a:prstGeom>
+          <a:ln>
+            <a:solidFill>
+              <a:schemeClr val="tx1"/>
+            </a:solidFill>
+            <a:prstDash val="lgDash"/>
+          </a:ln>
+        </p:spPr>
+        <p:style>
+          <a:lnRef idx="1">
+            <a:schemeClr val="accent1"/>
+          </a:lnRef>
+          <a:fillRef idx="0">
+            <a:schemeClr val="accent1"/>
+          </a:fillRef>
+          <a:effectRef idx="0">
+            <a:schemeClr val="accent1"/>
+          </a:effectRef>
+          <a:fontRef idx="minor">
+            <a:schemeClr val="tx1"/>
+          </a:fontRef>
+        </p:style>
+      </p:cxnSp>
+      <p:cxnSp>
+        <p:nvCxnSpPr>
+          <p:cNvPr id="52" name="Ευθεία γραμμή σύνδεσης 51"/>
+          <p:cNvCxnSpPr/>
+          <p:nvPr/>
+        </p:nvCxnSpPr>
+        <p:spPr>
+          <a:xfrm flipH="1" flipV="1">
+            <a:off x="5967663" y="2074004"/>
+            <a:ext cx="1754933" cy="345398"/>
+          </a:xfrm>
+          <a:prstGeom prst="line">
+            <a:avLst/>
+          </a:prstGeom>
+          <a:ln>
+            <a:solidFill>
+              <a:schemeClr val="tx1"/>
+            </a:solidFill>
+            <a:prstDash val="lgDash"/>
+          </a:ln>
+        </p:spPr>
+        <p:style>
+          <a:lnRef idx="1">
+            <a:schemeClr val="accent1"/>
+          </a:lnRef>
+          <a:fillRef idx="0">
+            <a:schemeClr val="accent1"/>
+          </a:fillRef>
+          <a:effectRef idx="0">
+            <a:schemeClr val="accent1"/>
+          </a:effectRef>
+          <a:fontRef idx="minor">
+            <a:schemeClr val="tx1"/>
+          </a:fontRef>
+        </p:style>
+      </p:cxnSp>
+      <p:cxnSp>
+        <p:nvCxnSpPr>
+          <p:cNvPr id="54" name="Ευθεία γραμμή σύνδεσης 53"/>
+          <p:cNvCxnSpPr>
+            <a:stCxn id="30" idx="0"/>
+          </p:cNvCxnSpPr>
+          <p:nvPr/>
+        </p:nvCxnSpPr>
+        <p:spPr>
+          <a:xfrm flipH="1" flipV="1">
+            <a:off x="5967663" y="2213220"/>
+            <a:ext cx="739538" cy="769356"/>
+          </a:xfrm>
+          <a:prstGeom prst="line">
+            <a:avLst/>
+          </a:prstGeom>
+          <a:ln>
+            <a:solidFill>
+              <a:schemeClr val="tx1"/>
+            </a:solidFill>
+            <a:prstDash val="lgDash"/>
+          </a:ln>
+        </p:spPr>
+        <p:style>
+          <a:lnRef idx="1">
+            <a:schemeClr val="accent1"/>
+          </a:lnRef>
+          <a:fillRef idx="0">
+            <a:schemeClr val="accent1"/>
+          </a:fillRef>
+          <a:effectRef idx="0">
+            <a:schemeClr val="accent1"/>
+          </a:effectRef>
+          <a:fontRef idx="minor">
+            <a:schemeClr val="tx1"/>
+          </a:fontRef>
+        </p:style>
+      </p:cxnSp>
+      <p:cxnSp>
+        <p:nvCxnSpPr>
+          <p:cNvPr id="59" name="Ευθεία γραμμή σύνδεσης 58"/>
+          <p:cNvCxnSpPr>
+            <a:stCxn id="43" idx="1"/>
+          </p:cNvCxnSpPr>
+          <p:nvPr/>
+        </p:nvCxnSpPr>
+        <p:spPr>
+          <a:xfrm flipH="1">
+            <a:off x="5981448" y="1503392"/>
+            <a:ext cx="826898" cy="411508"/>
+          </a:xfrm>
+          <a:prstGeom prst="line">
+            <a:avLst/>
+          </a:prstGeom>
+          <a:ln>
+            <a:solidFill>
+              <a:schemeClr val="tx1"/>
+            </a:solidFill>
+            <a:prstDash val="lgDash"/>
+          </a:ln>
+        </p:spPr>
+        <p:style>
+          <a:lnRef idx="1">
+            <a:schemeClr val="accent1"/>
+          </a:lnRef>
+          <a:fillRef idx="0">
+            <a:schemeClr val="accent1"/>
+          </a:fillRef>
+          <a:effectRef idx="0">
+            <a:schemeClr val="accent1"/>
+          </a:effectRef>
+          <a:fontRef idx="minor">
+            <a:schemeClr val="tx1"/>
+          </a:fontRef>
+        </p:style>
+      </p:cxnSp>
+    </p:spTree>
+    <p:extLst>
+      <p:ext uri="{BB962C8B-B14F-4D97-AF65-F5344CB8AC3E}">
+        <p14:creationId xmlns:p14="http://schemas.microsoft.com/office/powerpoint/2010/main" val="4033038387"/>
+      </p:ext>
+    </p:extLst>
+  </p:cSld>
+  <p:clrMapOvr>
+    <a:masterClrMapping/>
+  </p:clrMapOvr>
+  <p:timing>
+    <p:tnLst>
+      <p:par>
+        <p:cTn id="1" dur="indefinite" restart="never" nodeType="tmRoot"/>
+      </p:par>
+    </p:tnLst>
+  </p:timing>
+</p:sld>
+</file>
+
+<file path=ppt/slides/slide8.xml><?xml version="1.0" encoding="utf-8"?>
+<p:sld xmlns:a="http://schemas.openxmlformats.org/drawingml/2006/main" xmlns:r="http://schemas.openxmlformats.org/officeDocument/2006/relationships" xmlns:p="http://schemas.openxmlformats.org/presentationml/2006/main">
+  <p:cSld>
+    <p:spTree>
+      <p:nvGrpSpPr>
+        <p:cNvPr id="1" name=""/>
+        <p:cNvGrpSpPr/>
+        <p:nvPr/>
+      </p:nvGrpSpPr>
+      <p:grpSpPr>
+        <a:xfrm>
+          <a:off x="0" y="0"/>
+          <a:ext cx="0" cy="0"/>
+          <a:chOff x="0" y="0"/>
+          <a:chExt cx="0" cy="0"/>
+        </a:xfrm>
+      </p:grpSpPr>
+      <p:sp>
+        <p:nvSpPr>
+          <p:cNvPr id="2" name="Τίτλος 1"/>
+          <p:cNvSpPr>
+            <a:spLocks noGrp="1"/>
+          </p:cNvSpPr>
+          <p:nvPr>
+            <p:ph type="title"/>
+          </p:nvPr>
+        </p:nvSpPr>
+        <p:spPr/>
+        <p:txBody>
+          <a:bodyPr>
+            <a:normAutofit fontScale="90000"/>
+          </a:bodyPr>
+          <a:lstStyle/>
+          <a:p>
+            <a:r>
+              <a:rPr lang="en-US" dirty="0">
+                <a:latin typeface="Palatino Linotype" panose="02040502050505030304" pitchFamily="18" charset="0"/>
+              </a:rPr>
+              <a:t>Improvements </a:t>
+            </a:r>
+            <a:r>
+              <a:rPr lang="en-US" dirty="0" smtClean="0">
+                <a:latin typeface="Palatino Linotype" panose="02040502050505030304" pitchFamily="18" charset="0"/>
+              </a:rPr>
+              <a:t>#</a:t>
+            </a:r>
+            <a:r>
+              <a:rPr lang="en-US" dirty="0">
+                <a:latin typeface="Palatino Linotype" panose="02040502050505030304" pitchFamily="18" charset="0"/>
+              </a:rPr>
+              <a:t>2</a:t>
+            </a:r>
+            <a:r>
+              <a:rPr lang="en-US" dirty="0" smtClean="0">
+                <a:latin typeface="Palatino Linotype" panose="02040502050505030304" pitchFamily="18" charset="0"/>
+              </a:rPr>
+              <a:t>: Data fetching from S3</a:t>
+            </a:r>
+            <a:endParaRPr lang="en-US" dirty="0">
+              <a:latin typeface="Palatino Linotype" panose="02040502050505030304" pitchFamily="18" charset="0"/>
+            </a:endParaRPr>
+          </a:p>
+        </p:txBody>
+      </p:sp>
+      <p:pic>
+        <p:nvPicPr>
+          <p:cNvPr id="1026" name="Picture 2" descr="https://miro.medium.com/v2/resize:fit:875/1*yqMSmuXFlwyPjaXeYO75Ow.png"/>
+          <p:cNvPicPr>
+            <a:picLocks noChangeAspect="1" noChangeArrowheads="1"/>
+          </p:cNvPicPr>
+          <p:nvPr/>
+        </p:nvPicPr>
+        <p:blipFill>
+          <a:blip r:embed="rId2">
+            <a:extLst>
+              <a:ext uri="{28A0092B-C50C-407E-A947-70E740481C1C}">
+                <a14:useLocalDpi xmlns:a14="http://schemas.microsoft.com/office/drawing/2010/main" val="0"/>
+              </a:ext>
+            </a:extLst>
+          </a:blip>
+          <a:srcRect/>
+          <a:stretch>
+            <a:fillRect/>
+          </a:stretch>
+        </p:blipFill>
+        <p:spPr bwMode="auto">
+          <a:xfrm>
+            <a:off x="69659" y="1286913"/>
+            <a:ext cx="5093608" cy="1723096"/>
+          </a:xfrm>
+          <a:prstGeom prst="rect">
+            <a:avLst/>
+          </a:prstGeom>
+          <a:noFill/>
+          <a:extLst>
+            <a:ext uri="{909E8E84-426E-40DD-AFC4-6F175D3DCCD1}">
+              <a14:hiddenFill xmlns:a14="http://schemas.microsoft.com/office/drawing/2010/main">
+                <a:solidFill>
+                  <a:srgbClr val="FFFFFF"/>
+                </a:solidFill>
+              </a14:hiddenFill>
+            </a:ext>
+          </a:extLst>
+        </p:spPr>
+      </p:pic>
+      <p:sp>
+        <p:nvSpPr>
+          <p:cNvPr id="4" name="TextBox 3"/>
+          <p:cNvSpPr txBox="1"/>
+          <p:nvPr/>
+        </p:nvSpPr>
+        <p:spPr>
+          <a:xfrm>
+            <a:off x="5280146" y="920034"/>
+            <a:ext cx="5259517" cy="2462213"/>
+          </a:xfrm>
+          <a:prstGeom prst="rect">
+            <a:avLst/>
+          </a:prstGeom>
+          <a:noFill/>
+        </p:spPr>
+        <p:txBody>
+          <a:bodyPr wrap="square" rtlCol="0">
+            <a:spAutoFit/>
+          </a:bodyPr>
+          <a:lstStyle/>
+          <a:p>
+            <a:pPr marL="285750" indent="-285750">
+              <a:buFont typeface="Arial" panose="020B0604020202020204" pitchFamily="34" charset="0"/>
+              <a:buChar char="•"/>
+            </a:pPr>
+            <a:r>
+              <a:rPr lang="en-US" dirty="0" smtClean="0">
+                <a:latin typeface="Palatino Linotype" panose="02040502050505030304" pitchFamily="18" charset="0"/>
+              </a:rPr>
+              <a:t>Continuous polling in intervals</a:t>
+            </a:r>
+            <a:endParaRPr lang="en-US" dirty="0" smtClean="0">
+              <a:latin typeface="Palatino Linotype" panose="02040502050505030304" pitchFamily="18" charset="0"/>
+            </a:endParaRPr>
+          </a:p>
+          <a:p>
+            <a:r>
+              <a:rPr lang="en-US" dirty="0" smtClean="0">
+                <a:latin typeface="Palatino Linotype" panose="02040502050505030304" pitchFamily="18" charset="0"/>
+              </a:rPr>
+              <a:t>	</a:t>
+            </a:r>
+            <a:r>
+              <a:rPr lang="en-US" dirty="0" smtClean="0">
+                <a:solidFill>
+                  <a:srgbClr val="FF0000"/>
+                </a:solidFill>
+                <a:latin typeface="Palatino Linotype" panose="02040502050505030304" pitchFamily="18" charset="0"/>
+              </a:rPr>
+              <a:t>(-) Too many requests</a:t>
+            </a:r>
+          </a:p>
+          <a:p>
+            <a:r>
+              <a:rPr lang="en-US" dirty="0">
+                <a:solidFill>
+                  <a:srgbClr val="FF0000"/>
+                </a:solidFill>
+                <a:latin typeface="Palatino Linotype" panose="02040502050505030304" pitchFamily="18" charset="0"/>
+              </a:rPr>
+              <a:t>	</a:t>
+            </a:r>
+            <a:r>
+              <a:rPr lang="en-US" dirty="0" smtClean="0">
+                <a:solidFill>
+                  <a:srgbClr val="FF0000"/>
+                </a:solidFill>
+                <a:latin typeface="Palatino Linotype" panose="02040502050505030304" pitchFamily="18" charset="0"/>
+              </a:rPr>
+              <a:t>(-) In case large interval, data can wait for long time</a:t>
+            </a:r>
+          </a:p>
+          <a:p>
+            <a:r>
+              <a:rPr lang="en-US" dirty="0" smtClean="0">
+                <a:solidFill>
+                  <a:srgbClr val="FF0000"/>
+                </a:solidFill>
+                <a:latin typeface="Palatino Linotype" panose="02040502050505030304" pitchFamily="18" charset="0"/>
+              </a:rPr>
+              <a:t>	(-) Default Source keeps track </a:t>
+            </a:r>
+            <a:r>
+              <a:rPr lang="en-US" dirty="0" smtClean="0">
+                <a:solidFill>
+                  <a:srgbClr val="FF0000"/>
+                </a:solidFill>
+                <a:latin typeface="Palatino Linotype" panose="02040502050505030304" pitchFamily="18" charset="0"/>
+              </a:rPr>
+              <a:t>of already processed files in state store, cannot scale indefinitely</a:t>
+            </a:r>
+          </a:p>
+          <a:p>
+            <a:r>
+              <a:rPr lang="en-US" dirty="0">
+                <a:latin typeface="Palatino Linotype" panose="02040502050505030304" pitchFamily="18" charset="0"/>
+              </a:rPr>
+              <a:t>	</a:t>
+            </a:r>
+            <a:endParaRPr lang="en-US" dirty="0" smtClean="0">
+              <a:latin typeface="Palatino Linotype" panose="02040502050505030304" pitchFamily="18" charset="0"/>
+            </a:endParaRPr>
+          </a:p>
+          <a:p>
+            <a:pPr marL="285750" indent="-285750">
+              <a:buFont typeface="Arial" panose="020B0604020202020204" pitchFamily="34" charset="0"/>
+              <a:buChar char="•"/>
+            </a:pPr>
+            <a:r>
+              <a:rPr lang="en-US" dirty="0" smtClean="0">
+                <a:latin typeface="Palatino Linotype" panose="02040502050505030304" pitchFamily="18" charset="0"/>
+              </a:rPr>
+              <a:t>Custom Source Operator</a:t>
+            </a:r>
+            <a:endParaRPr lang="en-US" dirty="0" smtClean="0">
+              <a:latin typeface="Palatino Linotype" panose="02040502050505030304" pitchFamily="18" charset="0"/>
+            </a:endParaRPr>
+          </a:p>
+          <a:p>
+            <a:r>
+              <a:rPr lang="en-US" dirty="0" smtClean="0">
+                <a:latin typeface="Palatino Linotype" panose="02040502050505030304" pitchFamily="18" charset="0"/>
+              </a:rPr>
+              <a:t>	N</a:t>
+            </a:r>
+            <a:r>
+              <a:rPr lang="en-US" dirty="0" smtClean="0">
+                <a:latin typeface="Palatino Linotype" panose="02040502050505030304" pitchFamily="18" charset="0"/>
+              </a:rPr>
+              <a:t>otification </a:t>
+            </a:r>
+            <a:r>
+              <a:rPr lang="en-US" dirty="0">
+                <a:latin typeface="Palatino Linotype" panose="02040502050505030304" pitchFamily="18" charset="0"/>
+              </a:rPr>
+              <a:t>can trigger the processing of the newly uploaded file without waiting for a scheduled scan of the </a:t>
+            </a:r>
+            <a:r>
+              <a:rPr lang="en-US" dirty="0" smtClean="0">
+                <a:latin typeface="Palatino Linotype" panose="02040502050505030304" pitchFamily="18" charset="0"/>
+              </a:rPr>
+              <a:t>bucket</a:t>
+            </a:r>
+          </a:p>
+          <a:p>
+            <a:r>
+              <a:rPr lang="en-US" dirty="0">
+                <a:latin typeface="Palatino Linotype" panose="02040502050505030304" pitchFamily="18" charset="0"/>
+              </a:rPr>
+              <a:t>	</a:t>
+            </a:r>
+            <a:r>
+              <a:rPr lang="en-US" dirty="0" smtClean="0">
+                <a:solidFill>
+                  <a:srgbClr val="00B050"/>
+                </a:solidFill>
+                <a:latin typeface="Palatino Linotype" panose="02040502050505030304" pitchFamily="18" charset="0"/>
+              </a:rPr>
+              <a:t>(+) </a:t>
+            </a:r>
+            <a:r>
+              <a:rPr lang="en-US" dirty="0" smtClean="0">
+                <a:solidFill>
+                  <a:srgbClr val="00B050"/>
+                </a:solidFill>
+                <a:latin typeface="Palatino Linotype" panose="02040502050505030304" pitchFamily="18" charset="0"/>
+              </a:rPr>
+              <a:t>Reduced latency </a:t>
+            </a:r>
+            <a:r>
+              <a:rPr lang="en-US" dirty="0">
+                <a:solidFill>
+                  <a:srgbClr val="00B050"/>
+                </a:solidFill>
+                <a:latin typeface="Palatino Linotype" panose="02040502050505030304" pitchFamily="18" charset="0"/>
+              </a:rPr>
+              <a:t>and overhead</a:t>
+            </a:r>
+            <a:r>
+              <a:rPr lang="en-US" dirty="0" smtClean="0">
+                <a:solidFill>
+                  <a:srgbClr val="00B050"/>
+                </a:solidFill>
+                <a:latin typeface="Palatino Linotype" panose="02040502050505030304" pitchFamily="18" charset="0"/>
+              </a:rPr>
+              <a:t>.</a:t>
+            </a:r>
+          </a:p>
+          <a:p>
+            <a:endParaRPr lang="en-US" dirty="0">
+              <a:latin typeface="Palatino Linotype" panose="02040502050505030304" pitchFamily="18" charset="0"/>
+            </a:endParaRPr>
+          </a:p>
+        </p:txBody>
+      </p:sp>
+      <p:sp>
+        <p:nvSpPr>
+          <p:cNvPr id="3" name="Ορθογώνιο 2"/>
+          <p:cNvSpPr/>
+          <p:nvPr/>
+        </p:nvSpPr>
+        <p:spPr>
+          <a:xfrm>
+            <a:off x="2023909" y="3243748"/>
+            <a:ext cx="5971935" cy="276999"/>
+          </a:xfrm>
+          <a:prstGeom prst="rect">
+            <a:avLst/>
+          </a:prstGeom>
+        </p:spPr>
+        <p:txBody>
+          <a:bodyPr wrap="square">
+            <a:spAutoFit/>
+          </a:bodyPr>
+          <a:lstStyle/>
+          <a:p>
+            <a:r>
+              <a:rPr lang="en-US" sz="1200" i="1" dirty="0">
+                <a:latin typeface="Palatino Linotype" panose="02040502050505030304" pitchFamily="18" charset="0"/>
+              </a:rPr>
+              <a:t>https://medium.com/datareply/event-driven-file-ingestion-using-flink-source-api-cfe45e43f88b</a:t>
+            </a:r>
+            <a:endParaRPr lang="en-US" sz="1200" i="1" dirty="0">
+              <a:latin typeface="Palatino Linotype" panose="02040502050505030304" pitchFamily="18" charset="0"/>
+            </a:endParaRPr>
+          </a:p>
+        </p:txBody>
+      </p:sp>
+    </p:spTree>
+    <p:extLst>
+      <p:ext uri="{BB962C8B-B14F-4D97-AF65-F5344CB8AC3E}">
+        <p14:creationId xmlns:p14="http://schemas.microsoft.com/office/powerpoint/2010/main" val="2594679391"/>
+      </p:ext>
+    </p:extLst>
+  </p:cSld>
+  <p:clrMapOvr>
+    <a:masterClrMapping/>
+  </p:clrMapOvr>
+  <p:timing>
+    <p:tnLst>
+      <p:par>
+        <p:cTn id="1" dur="indefinite" restart="never" nodeType="tmRoot"/>
+      </p:par>
+    </p:tnLst>
+  </p:timing>
 </p:sld>
 </file>
 
